--- a/projet3/projet3.pptx
+++ b/projet3/projet3.pptx
@@ -6,23 +6,22 @@
     <p:sldMasterId id="2147483696" r:id="rId2"/>
   </p:sldMasterIdLst>
   <p:notesMasterIdLst>
-    <p:notesMasterId r:id="rId17"/>
+    <p:notesMasterId r:id="rId16"/>
   </p:notesMasterIdLst>
   <p:sldIdLst>
     <p:sldId id="272" r:id="rId3"/>
-    <p:sldId id="273" r:id="rId4"/>
-    <p:sldId id="257" r:id="rId5"/>
-    <p:sldId id="271" r:id="rId6"/>
-    <p:sldId id="276" r:id="rId7"/>
-    <p:sldId id="275" r:id="rId8"/>
-    <p:sldId id="277" r:id="rId9"/>
-    <p:sldId id="267" r:id="rId10"/>
-    <p:sldId id="268" r:id="rId11"/>
-    <p:sldId id="269" r:id="rId12"/>
-    <p:sldId id="279" r:id="rId13"/>
-    <p:sldId id="281" r:id="rId14"/>
-    <p:sldId id="262" r:id="rId15"/>
-    <p:sldId id="278" r:id="rId16"/>
+    <p:sldId id="271" r:id="rId4"/>
+    <p:sldId id="281" r:id="rId5"/>
+    <p:sldId id="273" r:id="rId6"/>
+    <p:sldId id="257" r:id="rId7"/>
+    <p:sldId id="276" r:id="rId8"/>
+    <p:sldId id="280" r:id="rId9"/>
+    <p:sldId id="275" r:id="rId10"/>
+    <p:sldId id="277" r:id="rId11"/>
+    <p:sldId id="283" r:id="rId12"/>
+    <p:sldId id="267" r:id="rId13"/>
+    <p:sldId id="262" r:id="rId14"/>
+    <p:sldId id="278" r:id="rId15"/>
   </p:sldIdLst>
   <p:sldSz cx="12192000" cy="6858000"/>
   <p:notesSz cx="6858000" cy="9144000"/>
@@ -238,36 +237,6 @@
           </ac:spMkLst>
         </pc:spChg>
       </pc:sldChg>
-      <pc:sldChg chg="modSp add">
-        <pc:chgData name="Christophe Lebrun" userId="303fc86cbab77272" providerId="LiveId" clId="{C038AB08-8586-42FB-AD35-067813437C7B}" dt="2019-06-11T13:10:27.239" v="251" actId="20577"/>
-        <pc:sldMkLst>
-          <pc:docMk/>
-          <pc:sldMk cId="693144656" sldId="268"/>
-        </pc:sldMkLst>
-        <pc:spChg chg="mod">
-          <ac:chgData name="Christophe Lebrun" userId="303fc86cbab77272" providerId="LiveId" clId="{C038AB08-8586-42FB-AD35-067813437C7B}" dt="2019-06-11T13:10:27.239" v="251" actId="20577"/>
-          <ac:spMkLst>
-            <pc:docMk/>
-            <pc:sldMk cId="693144656" sldId="268"/>
-            <ac:spMk id="2" creationId="{96885828-B058-4F14-80D3-515FB1B2EA26}"/>
-          </ac:spMkLst>
-        </pc:spChg>
-      </pc:sldChg>
-      <pc:sldChg chg="modSp add">
-        <pc:chgData name="Christophe Lebrun" userId="303fc86cbab77272" providerId="LiveId" clId="{C038AB08-8586-42FB-AD35-067813437C7B}" dt="2019-06-11T13:10:23.293" v="250" actId="20577"/>
-        <pc:sldMkLst>
-          <pc:docMk/>
-          <pc:sldMk cId="639279893" sldId="269"/>
-        </pc:sldMkLst>
-        <pc:spChg chg="mod">
-          <ac:chgData name="Christophe Lebrun" userId="303fc86cbab77272" providerId="LiveId" clId="{C038AB08-8586-42FB-AD35-067813437C7B}" dt="2019-06-11T13:10:23.293" v="250" actId="20577"/>
-          <ac:spMkLst>
-            <pc:docMk/>
-            <pc:sldMk cId="639279893" sldId="269"/>
-            <ac:spMk id="2" creationId="{96885828-B058-4F14-80D3-515FB1B2EA26}"/>
-          </ac:spMkLst>
-        </pc:spChg>
-      </pc:sldChg>
       <pc:sldChg chg="add">
         <pc:chgData name="Christophe Lebrun" userId="303fc86cbab77272" providerId="LiveId" clId="{C038AB08-8586-42FB-AD35-067813437C7B}" dt="2019-06-11T13:27:09.959" v="273"/>
         <pc:sldMkLst>
@@ -280,16 +249,32 @@
   <pc:docChgLst>
     <pc:chgData name="Christophe Lebrun" userId="303fc86cbab77272" providerId="LiveId" clId="{A4B10A2C-AC96-4C3D-BA25-8EF5DF9CDB4E}"/>
     <pc:docChg chg="undo custSel addSld delSld modSld sldOrd">
-      <pc:chgData name="Christophe Lebrun" userId="303fc86cbab77272" providerId="LiveId" clId="{A4B10A2C-AC96-4C3D-BA25-8EF5DF9CDB4E}" dt="2019-07-31T15:14:44.748" v="2307" actId="14100"/>
+      <pc:chgData name="Christophe Lebrun" userId="303fc86cbab77272" providerId="LiveId" clId="{A4B10A2C-AC96-4C3D-BA25-8EF5DF9CDB4E}" dt="2019-08-02T14:26:29.436" v="3687" actId="113"/>
       <pc:docMkLst>
         <pc:docMk/>
       </pc:docMkLst>
-      <pc:sldChg chg="addSp modSp">
-        <pc:chgData name="Christophe Lebrun" userId="303fc86cbab77272" providerId="LiveId" clId="{A4B10A2C-AC96-4C3D-BA25-8EF5DF9CDB4E}" dt="2019-07-23T09:49:07.886" v="220" actId="1076"/>
+      <pc:sldChg chg="addSp delSp modSp">
+        <pc:chgData name="Christophe Lebrun" userId="303fc86cbab77272" providerId="LiveId" clId="{A4B10A2C-AC96-4C3D-BA25-8EF5DF9CDB4E}" dt="2019-08-01T08:47:25.057" v="2373"/>
         <pc:sldMkLst>
           <pc:docMk/>
           <pc:sldMk cId="1510174254" sldId="257"/>
         </pc:sldMkLst>
+        <pc:spChg chg="del">
+          <ac:chgData name="Christophe Lebrun" userId="303fc86cbab77272" providerId="LiveId" clId="{A4B10A2C-AC96-4C3D-BA25-8EF5DF9CDB4E}" dt="2019-08-01T08:47:23.448" v="2372" actId="478"/>
+          <ac:spMkLst>
+            <pc:docMk/>
+            <pc:sldMk cId="1510174254" sldId="257"/>
+            <ac:spMk id="5" creationId="{FF6AA46B-03BB-4CE9-8429-8B8E39E26B60}"/>
+          </ac:spMkLst>
+        </pc:spChg>
+        <pc:spChg chg="add">
+          <ac:chgData name="Christophe Lebrun" userId="303fc86cbab77272" providerId="LiveId" clId="{A4B10A2C-AC96-4C3D-BA25-8EF5DF9CDB4E}" dt="2019-08-01T08:47:25.057" v="2373"/>
+          <ac:spMkLst>
+            <pc:docMk/>
+            <pc:sldMk cId="1510174254" sldId="257"/>
+            <ac:spMk id="6" creationId="{2F10977A-4C16-4D01-AC77-DA41EC3976E0}"/>
+          </ac:spMkLst>
+        </pc:spChg>
         <pc:picChg chg="add mod">
           <ac:chgData name="Christophe Lebrun" userId="303fc86cbab77272" providerId="LiveId" clId="{A4B10A2C-AC96-4C3D-BA25-8EF5DF9CDB4E}" dt="2019-07-23T09:49:07.886" v="220" actId="1076"/>
           <ac:picMkLst>
@@ -300,7 +285,7 @@
         </pc:picChg>
       </pc:sldChg>
       <pc:sldChg chg="addSp delSp modSp">
-        <pc:chgData name="Christophe Lebrun" userId="303fc86cbab77272" providerId="LiveId" clId="{A4B10A2C-AC96-4C3D-BA25-8EF5DF9CDB4E}" dt="2019-07-23T13:08:38.987" v="1536"/>
+        <pc:chgData name="Christophe Lebrun" userId="303fc86cbab77272" providerId="LiveId" clId="{A4B10A2C-AC96-4C3D-BA25-8EF5DF9CDB4E}" dt="2019-08-01T08:48:18.871" v="2382" actId="478"/>
         <pc:sldMkLst>
           <pc:docMk/>
           <pc:sldMk cId="3375476623" sldId="262"/>
@@ -313,12 +298,28 @@
             <ac:spMk id="2" creationId="{964011A4-8F80-4EB8-891E-8BB51852960E}"/>
           </ac:spMkLst>
         </pc:spChg>
+        <pc:spChg chg="del mod">
+          <ac:chgData name="Christophe Lebrun" userId="303fc86cbab77272" providerId="LiveId" clId="{A4B10A2C-AC96-4C3D-BA25-8EF5DF9CDB4E}" dt="2019-08-01T08:48:18.871" v="2382" actId="478"/>
+          <ac:spMkLst>
+            <pc:docMk/>
+            <pc:sldMk cId="3375476623" sldId="262"/>
+            <ac:spMk id="3" creationId="{57FC146F-313B-4AF6-A78D-00020B714D99}"/>
+          </ac:spMkLst>
+        </pc:spChg>
         <pc:spChg chg="del">
           <ac:chgData name="Christophe Lebrun" userId="303fc86cbab77272" providerId="LiveId" clId="{A4B10A2C-AC96-4C3D-BA25-8EF5DF9CDB4E}" dt="2019-07-23T09:49:23.726" v="225" actId="478"/>
           <ac:spMkLst>
             <pc:docMk/>
             <pc:sldMk cId="3375476623" sldId="262"/>
             <ac:spMk id="3" creationId="{8FFAA1DA-ABB7-4B94-BF58-51C2D6C3564F}"/>
+          </ac:spMkLst>
+        </pc:spChg>
+        <pc:spChg chg="add">
+          <ac:chgData name="Christophe Lebrun" userId="303fc86cbab77272" providerId="LiveId" clId="{A4B10A2C-AC96-4C3D-BA25-8EF5DF9CDB4E}" dt="2019-08-01T08:48:15.934" v="2381"/>
+          <ac:spMkLst>
+            <pc:docMk/>
+            <pc:sldMk cId="3375476623" sldId="262"/>
+            <ac:spMk id="5" creationId="{75B687DA-E829-4436-98F8-FF693735BCC6}"/>
           </ac:spMkLst>
         </pc:spChg>
         <pc:picChg chg="add">
@@ -339,11 +340,35 @@
         </pc:picChg>
       </pc:sldChg>
       <pc:sldChg chg="addSp delSp modSp">
-        <pc:chgData name="Christophe Lebrun" userId="303fc86cbab77272" providerId="LiveId" clId="{A4B10A2C-AC96-4C3D-BA25-8EF5DF9CDB4E}" dt="2019-07-23T09:52:46.727" v="246" actId="478"/>
+        <pc:chgData name="Christophe Lebrun" userId="303fc86cbab77272" providerId="LiveId" clId="{A4B10A2C-AC96-4C3D-BA25-8EF5DF9CDB4E}" dt="2019-08-01T09:30:04.897" v="2409" actId="1076"/>
         <pc:sldMkLst>
           <pc:docMk/>
           <pc:sldMk cId="3031979299" sldId="267"/>
         </pc:sldMkLst>
+        <pc:spChg chg="mod">
+          <ac:chgData name="Christophe Lebrun" userId="303fc86cbab77272" providerId="LiveId" clId="{A4B10A2C-AC96-4C3D-BA25-8EF5DF9CDB4E}" dt="2019-08-01T09:30:04.897" v="2409" actId="1076"/>
+          <ac:spMkLst>
+            <pc:docMk/>
+            <pc:sldMk cId="3031979299" sldId="267"/>
+            <ac:spMk id="2" creationId="{96885828-B058-4F14-80D3-515FB1B2EA26}"/>
+          </ac:spMkLst>
+        </pc:spChg>
+        <pc:spChg chg="del">
+          <ac:chgData name="Christophe Lebrun" userId="303fc86cbab77272" providerId="LiveId" clId="{A4B10A2C-AC96-4C3D-BA25-8EF5DF9CDB4E}" dt="2019-08-01T08:46:45.240" v="2364" actId="478"/>
+          <ac:spMkLst>
+            <pc:docMk/>
+            <pc:sldMk cId="3031979299" sldId="267"/>
+            <ac:spMk id="5" creationId="{34FD805E-EF0A-49BE-9763-1613616FA117}"/>
+          </ac:spMkLst>
+        </pc:spChg>
+        <pc:spChg chg="add">
+          <ac:chgData name="Christophe Lebrun" userId="303fc86cbab77272" providerId="LiveId" clId="{A4B10A2C-AC96-4C3D-BA25-8EF5DF9CDB4E}" dt="2019-08-01T08:46:47.115" v="2365"/>
+          <ac:spMkLst>
+            <pc:docMk/>
+            <pc:sldMk cId="3031979299" sldId="267"/>
+            <ac:spMk id="7" creationId="{8606EA2F-E9B4-4C87-83C3-46F31FE9182D}"/>
+          </ac:spMkLst>
+        </pc:spChg>
         <pc:picChg chg="add">
           <ac:chgData name="Christophe Lebrun" userId="303fc86cbab77272" providerId="LiveId" clId="{A4B10A2C-AC96-4C3D-BA25-8EF5DF9CDB4E}" dt="2019-07-23T09:49:13.369" v="221"/>
           <ac:picMkLst>
@@ -369,62 +394,8 @@
           </ac:picMkLst>
         </pc:picChg>
       </pc:sldChg>
-      <pc:sldChg chg="addSp delSp">
-        <pc:chgData name="Christophe Lebrun" userId="303fc86cbab77272" providerId="LiveId" clId="{A4B10A2C-AC96-4C3D-BA25-8EF5DF9CDB4E}" dt="2019-07-23T09:52:48.211" v="247" actId="478"/>
-        <pc:sldMkLst>
-          <pc:docMk/>
-          <pc:sldMk cId="693144656" sldId="268"/>
-        </pc:sldMkLst>
-        <pc:picChg chg="add">
-          <ac:chgData name="Christophe Lebrun" userId="303fc86cbab77272" providerId="LiveId" clId="{A4B10A2C-AC96-4C3D-BA25-8EF5DF9CDB4E}" dt="2019-07-23T09:49:15.853" v="222"/>
-          <ac:picMkLst>
-            <pc:docMk/>
-            <pc:sldMk cId="693144656" sldId="268"/>
-            <ac:picMk id="4" creationId="{9D505E56-4A6D-491C-BF10-252DE5BD588B}"/>
-          </ac:picMkLst>
-        </pc:picChg>
-        <pc:picChg chg="add del">
-          <ac:chgData name="Christophe Lebrun" userId="303fc86cbab77272" providerId="LiveId" clId="{A4B10A2C-AC96-4C3D-BA25-8EF5DF9CDB4E}" dt="2019-07-23T09:52:48.211" v="247" actId="478"/>
-          <ac:picMkLst>
-            <pc:docMk/>
-            <pc:sldMk cId="693144656" sldId="268"/>
-            <ac:picMk id="5" creationId="{42D7DD45-3080-4268-81CF-7BCFC9727A1F}"/>
-          </ac:picMkLst>
-        </pc:picChg>
-        <pc:picChg chg="add">
-          <ac:chgData name="Christophe Lebrun" userId="303fc86cbab77272" providerId="LiveId" clId="{A4B10A2C-AC96-4C3D-BA25-8EF5DF9CDB4E}" dt="2019-07-23T09:52:42.696" v="244"/>
-          <ac:picMkLst>
-            <pc:docMk/>
-            <pc:sldMk cId="693144656" sldId="268"/>
-            <ac:picMk id="6" creationId="{81AD17D2-048E-48CB-BD6C-CBC098E81736}"/>
-          </ac:picMkLst>
-        </pc:picChg>
-      </pc:sldChg>
-      <pc:sldChg chg="addSp modSp">
-        <pc:chgData name="Christophe Lebrun" userId="303fc86cbab77272" providerId="LiveId" clId="{A4B10A2C-AC96-4C3D-BA25-8EF5DF9CDB4E}" dt="2019-07-23T09:52:36.026" v="243" actId="1076"/>
-        <pc:sldMkLst>
-          <pc:docMk/>
-          <pc:sldMk cId="639279893" sldId="269"/>
-        </pc:sldMkLst>
-        <pc:picChg chg="add">
-          <ac:chgData name="Christophe Lebrun" userId="303fc86cbab77272" providerId="LiveId" clId="{A4B10A2C-AC96-4C3D-BA25-8EF5DF9CDB4E}" dt="2019-07-23T09:49:17.961" v="223"/>
-          <ac:picMkLst>
-            <pc:docMk/>
-            <pc:sldMk cId="639279893" sldId="269"/>
-            <ac:picMk id="4" creationId="{81C279DD-6D21-4CEE-837F-E550D932A41E}"/>
-          </ac:picMkLst>
-        </pc:picChg>
-        <pc:picChg chg="add mod">
-          <ac:chgData name="Christophe Lebrun" userId="303fc86cbab77272" providerId="LiveId" clId="{A4B10A2C-AC96-4C3D-BA25-8EF5DF9CDB4E}" dt="2019-07-23T09:52:36.026" v="243" actId="1076"/>
-          <ac:picMkLst>
-            <pc:docMk/>
-            <pc:sldMk cId="639279893" sldId="269"/>
-            <ac:picMk id="5" creationId="{6882FADE-58D9-4D93-8177-07668C3CBC89}"/>
-          </ac:picMkLst>
-        </pc:picChg>
-      </pc:sldChg>
-      <pc:sldChg chg="addSp modSp ord">
-        <pc:chgData name="Christophe Lebrun" userId="303fc86cbab77272" providerId="LiveId" clId="{A4B10A2C-AC96-4C3D-BA25-8EF5DF9CDB4E}" dt="2019-07-23T10:00:28.218" v="367" actId="207"/>
+      <pc:sldChg chg="addSp delSp modSp ord">
+        <pc:chgData name="Christophe Lebrun" userId="303fc86cbab77272" providerId="LiveId" clId="{A4B10A2C-AC96-4C3D-BA25-8EF5DF9CDB4E}" dt="2019-08-01T08:47:43.041" v="2377"/>
         <pc:sldMkLst>
           <pc:docMk/>
           <pc:sldMk cId="3576308320" sldId="271"/>
@@ -445,6 +416,22 @@
             <ac:spMk id="3" creationId="{9392442C-B3A0-4638-B622-291C64F6FED7}"/>
           </ac:spMkLst>
         </pc:spChg>
+        <pc:spChg chg="del">
+          <ac:chgData name="Christophe Lebrun" userId="303fc86cbab77272" providerId="LiveId" clId="{A4B10A2C-AC96-4C3D-BA25-8EF5DF9CDB4E}" dt="2019-08-01T08:47:41.166" v="2376" actId="478"/>
+          <ac:spMkLst>
+            <pc:docMk/>
+            <pc:sldMk cId="3576308320" sldId="271"/>
+            <ac:spMk id="5" creationId="{F5A364DD-1A1C-44EF-B7D3-B3FA83AEF59F}"/>
+          </ac:spMkLst>
+        </pc:spChg>
+        <pc:spChg chg="add">
+          <ac:chgData name="Christophe Lebrun" userId="303fc86cbab77272" providerId="LiveId" clId="{A4B10A2C-AC96-4C3D-BA25-8EF5DF9CDB4E}" dt="2019-08-01T08:47:43.041" v="2377"/>
+          <ac:spMkLst>
+            <pc:docMk/>
+            <pc:sldMk cId="3576308320" sldId="271"/>
+            <ac:spMk id="6" creationId="{76442820-B957-4E3F-837C-4D0E995BC418}"/>
+          </ac:spMkLst>
+        </pc:spChg>
         <pc:picChg chg="add mod">
           <ac:chgData name="Christophe Lebrun" userId="303fc86cbab77272" providerId="LiveId" clId="{A4B10A2C-AC96-4C3D-BA25-8EF5DF9CDB4E}" dt="2019-07-23T09:56:46.319" v="286" actId="1076"/>
           <ac:picMkLst>
@@ -454,8 +441,8 @@
           </ac:picMkLst>
         </pc:picChg>
       </pc:sldChg>
-      <pc:sldChg chg="modSp add">
-        <pc:chgData name="Christophe Lebrun" userId="303fc86cbab77272" providerId="LiveId" clId="{A4B10A2C-AC96-4C3D-BA25-8EF5DF9CDB4E}" dt="2019-07-23T09:48:05.726" v="216" actId="114"/>
+      <pc:sldChg chg="delSp modSp add">
+        <pc:chgData name="Christophe Lebrun" userId="303fc86cbab77272" providerId="LiveId" clId="{A4B10A2C-AC96-4C3D-BA25-8EF5DF9CDB4E}" dt="2019-08-01T08:47:48.477" v="2378" actId="478"/>
         <pc:sldMkLst>
           <pc:docMk/>
           <pc:sldMk cId="4251976526" sldId="272"/>
@@ -469,6 +456,14 @@
           </ac:spMkLst>
         </pc:spChg>
         <pc:spChg chg="mod">
+          <ac:chgData name="Christophe Lebrun" userId="303fc86cbab77272" providerId="LiveId" clId="{A4B10A2C-AC96-4C3D-BA25-8EF5DF9CDB4E}" dt="2019-07-31T17:07:20.817" v="2326" actId="108"/>
+          <ac:spMkLst>
+            <pc:docMk/>
+            <pc:sldMk cId="4251976526" sldId="272"/>
+            <ac:spMk id="3" creationId="{34D75187-D88F-4F53-B18A-EE11258D12A0}"/>
+          </ac:spMkLst>
+        </pc:spChg>
+        <pc:spChg chg="mod">
           <ac:chgData name="Christophe Lebrun" userId="303fc86cbab77272" providerId="LiveId" clId="{A4B10A2C-AC96-4C3D-BA25-8EF5DF9CDB4E}" dt="2019-07-23T09:48:05.726" v="216" actId="114"/>
           <ac:spMkLst>
             <pc:docMk/>
@@ -476,9 +471,25 @@
             <ac:spMk id="4" creationId="{9C646D9E-13BE-45F2-B603-936E1E00092D}"/>
           </ac:spMkLst>
         </pc:spChg>
+        <pc:spChg chg="mod">
+          <ac:chgData name="Christophe Lebrun" userId="303fc86cbab77272" providerId="LiveId" clId="{A4B10A2C-AC96-4C3D-BA25-8EF5DF9CDB4E}" dt="2019-07-31T17:07:44.968" v="2334" actId="20577"/>
+          <ac:spMkLst>
+            <pc:docMk/>
+            <pc:sldMk cId="4251976526" sldId="272"/>
+            <ac:spMk id="6" creationId="{968DD6B4-A058-473F-99B6-FECCF66B654A}"/>
+          </ac:spMkLst>
+        </pc:spChg>
+        <pc:spChg chg="del">
+          <ac:chgData name="Christophe Lebrun" userId="303fc86cbab77272" providerId="LiveId" clId="{A4B10A2C-AC96-4C3D-BA25-8EF5DF9CDB4E}" dt="2019-08-01T08:47:48.477" v="2378" actId="478"/>
+          <ac:spMkLst>
+            <pc:docMk/>
+            <pc:sldMk cId="4251976526" sldId="272"/>
+            <ac:spMk id="7" creationId="{CE8A075B-468F-454E-AB43-A9C8CAD22EF7}"/>
+          </ac:spMkLst>
+        </pc:spChg>
       </pc:sldChg>
       <pc:sldChg chg="addSp delSp modSp add">
-        <pc:chgData name="Christophe Lebrun" userId="303fc86cbab77272" providerId="LiveId" clId="{A4B10A2C-AC96-4C3D-BA25-8EF5DF9CDB4E}" dt="2019-07-23T13:07:26.165" v="1533" actId="1076"/>
+        <pc:chgData name="Christophe Lebrun" userId="303fc86cbab77272" providerId="LiveId" clId="{A4B10A2C-AC96-4C3D-BA25-8EF5DF9CDB4E}" dt="2019-08-01T08:47:31.637" v="2375"/>
         <pc:sldMkLst>
           <pc:docMk/>
           <pc:sldMk cId="3271512906" sldId="273"/>
@@ -499,6 +510,22 @@
             <ac:spMk id="3" creationId="{65C25AD1-BD09-42CD-AAA1-A13586FB9A0B}"/>
           </ac:spMkLst>
         </pc:spChg>
+        <pc:spChg chg="del">
+          <ac:chgData name="Christophe Lebrun" userId="303fc86cbab77272" providerId="LiveId" clId="{A4B10A2C-AC96-4C3D-BA25-8EF5DF9CDB4E}" dt="2019-08-01T08:47:30.091" v="2374" actId="478"/>
+          <ac:spMkLst>
+            <pc:docMk/>
+            <pc:sldMk cId="3271512906" sldId="273"/>
+            <ac:spMk id="4" creationId="{EB8A9CDC-2AC7-43D2-A50B-49BB65551129}"/>
+          </ac:spMkLst>
+        </pc:spChg>
+        <pc:spChg chg="add">
+          <ac:chgData name="Christophe Lebrun" userId="303fc86cbab77272" providerId="LiveId" clId="{A4B10A2C-AC96-4C3D-BA25-8EF5DF9CDB4E}" dt="2019-08-01T08:47:31.637" v="2375"/>
+          <ac:spMkLst>
+            <pc:docMk/>
+            <pc:sldMk cId="3271512906" sldId="273"/>
+            <ac:spMk id="6" creationId="{1DB8435F-3D5B-46B0-8734-A0D3FB2E8B19}"/>
+          </ac:spMkLst>
+        </pc:spChg>
         <pc:picChg chg="del">
           <ac:chgData name="Christophe Lebrun" userId="303fc86cbab77272" providerId="LiveId" clId="{A4B10A2C-AC96-4C3D-BA25-8EF5DF9CDB4E}" dt="2019-07-23T09:42:23.117" v="13" actId="478"/>
           <ac:picMkLst>
@@ -517,13 +544,13 @@
         </pc:picChg>
       </pc:sldChg>
       <pc:sldChg chg="addSp delSp modSp add">
-        <pc:chgData name="Christophe Lebrun" userId="303fc86cbab77272" providerId="LiveId" clId="{A4B10A2C-AC96-4C3D-BA25-8EF5DF9CDB4E}" dt="2019-07-29T15:03:31.474" v="1656" actId="113"/>
+        <pc:chgData name="Christophe Lebrun" userId="303fc86cbab77272" providerId="LiveId" clId="{A4B10A2C-AC96-4C3D-BA25-8EF5DF9CDB4E}" dt="2019-08-02T14:01:23.054" v="2608" actId="1076"/>
         <pc:sldMkLst>
           <pc:docMk/>
           <pc:sldMk cId="3504856278" sldId="275"/>
         </pc:sldMkLst>
         <pc:spChg chg="mod">
-          <ac:chgData name="Christophe Lebrun" userId="303fc86cbab77272" providerId="LiveId" clId="{A4B10A2C-AC96-4C3D-BA25-8EF5DF9CDB4E}" dt="2019-07-25T08:32:55.679" v="1596" actId="20577"/>
+          <ac:chgData name="Christophe Lebrun" userId="303fc86cbab77272" providerId="LiveId" clId="{A4B10A2C-AC96-4C3D-BA25-8EF5DF9CDB4E}" dt="2019-08-02T14:00:48.653" v="2604" actId="20577"/>
           <ac:spMkLst>
             <pc:docMk/>
             <pc:sldMk cId="3504856278" sldId="275"/>
@@ -531,19 +558,35 @@
           </ac:spMkLst>
         </pc:spChg>
         <pc:spChg chg="mod">
-          <ac:chgData name="Christophe Lebrun" userId="303fc86cbab77272" providerId="LiveId" clId="{A4B10A2C-AC96-4C3D-BA25-8EF5DF9CDB4E}" dt="2019-07-29T11:36:09.737" v="1599" actId="20577"/>
+          <ac:chgData name="Christophe Lebrun" userId="303fc86cbab77272" providerId="LiveId" clId="{A4B10A2C-AC96-4C3D-BA25-8EF5DF9CDB4E}" dt="2019-08-02T14:01:23.054" v="2608" actId="1076"/>
           <ac:spMkLst>
             <pc:docMk/>
             <pc:sldMk cId="3504856278" sldId="275"/>
             <ac:spMk id="3" creationId="{9392442C-B3A0-4638-B622-291C64F6FED7}"/>
           </ac:spMkLst>
         </pc:spChg>
-        <pc:spChg chg="add mod">
-          <ac:chgData name="Christophe Lebrun" userId="303fc86cbab77272" providerId="LiveId" clId="{A4B10A2C-AC96-4C3D-BA25-8EF5DF9CDB4E}" dt="2019-07-29T15:03:31.474" v="1656" actId="113"/>
+        <pc:spChg chg="del">
+          <ac:chgData name="Christophe Lebrun" userId="303fc86cbab77272" providerId="LiveId" clId="{A4B10A2C-AC96-4C3D-BA25-8EF5DF9CDB4E}" dt="2019-08-01T08:47:03.754" v="2368" actId="478"/>
+          <ac:spMkLst>
+            <pc:docMk/>
+            <pc:sldMk cId="3504856278" sldId="275"/>
+            <ac:spMk id="5" creationId="{BFB1D6FB-B38A-433C-BA65-89B488B49020}"/>
+          </ac:spMkLst>
+        </pc:spChg>
+        <pc:spChg chg="add del mod">
+          <ac:chgData name="Christophe Lebrun" userId="303fc86cbab77272" providerId="LiveId" clId="{A4B10A2C-AC96-4C3D-BA25-8EF5DF9CDB4E}" dt="2019-08-02T14:00:05.794" v="2602" actId="478"/>
           <ac:spMkLst>
             <pc:docMk/>
             <pc:sldMk cId="3504856278" sldId="275"/>
             <ac:spMk id="8" creationId="{F1EF1C3B-62E6-4A25-B35A-A81E49651BE7}"/>
+          </ac:spMkLst>
+        </pc:spChg>
+        <pc:spChg chg="add">
+          <ac:chgData name="Christophe Lebrun" userId="303fc86cbab77272" providerId="LiveId" clId="{A4B10A2C-AC96-4C3D-BA25-8EF5DF9CDB4E}" dt="2019-08-01T08:47:06.655" v="2369"/>
+          <ac:spMkLst>
+            <pc:docMk/>
+            <pc:sldMk cId="3504856278" sldId="275"/>
+            <ac:spMk id="9" creationId="{34FC1E7A-1736-40A9-B133-350DF7033BD6}"/>
           </ac:spMkLst>
         </pc:spChg>
         <pc:picChg chg="add">
@@ -563,15 +606,15 @@
           </ac:picMkLst>
         </pc:picChg>
         <pc:picChg chg="add mod">
-          <ac:chgData name="Christophe Lebrun" userId="303fc86cbab77272" providerId="LiveId" clId="{A4B10A2C-AC96-4C3D-BA25-8EF5DF9CDB4E}" dt="2019-07-23T13:06:35.481" v="1530"/>
+          <ac:chgData name="Christophe Lebrun" userId="303fc86cbab77272" providerId="LiveId" clId="{A4B10A2C-AC96-4C3D-BA25-8EF5DF9CDB4E}" dt="2019-08-02T14:01:23.054" v="2608" actId="1076"/>
           <ac:picMkLst>
             <pc:docMk/>
             <pc:sldMk cId="3504856278" sldId="275"/>
             <ac:picMk id="7" creationId="{2230EAD1-7326-4804-95DA-F2533C1670F8}"/>
           </ac:picMkLst>
         </pc:picChg>
-        <pc:picChg chg="add mod">
-          <ac:chgData name="Christophe Lebrun" userId="303fc86cbab77272" providerId="LiveId" clId="{A4B10A2C-AC96-4C3D-BA25-8EF5DF9CDB4E}" dt="2019-07-29T15:01:19.611" v="1655" actId="1076"/>
+        <pc:picChg chg="add del mod">
+          <ac:chgData name="Christophe Lebrun" userId="303fc86cbab77272" providerId="LiveId" clId="{A4B10A2C-AC96-4C3D-BA25-8EF5DF9CDB4E}" dt="2019-08-02T14:00:06.630" v="2603" actId="478"/>
           <ac:picMkLst>
             <pc:docMk/>
             <pc:sldMk cId="3504856278" sldId="275"/>
@@ -579,8 +622,8 @@
           </ac:picMkLst>
         </pc:picChg>
       </pc:sldChg>
-      <pc:sldChg chg="addSp modSp add">
-        <pc:chgData name="Christophe Lebrun" userId="303fc86cbab77272" providerId="LiveId" clId="{A4B10A2C-AC96-4C3D-BA25-8EF5DF9CDB4E}" dt="2019-07-23T13:07:45.098" v="1534" actId="1076"/>
+      <pc:sldChg chg="addSp delSp modSp add">
+        <pc:chgData name="Christophe Lebrun" userId="303fc86cbab77272" providerId="LiveId" clId="{A4B10A2C-AC96-4C3D-BA25-8EF5DF9CDB4E}" dt="2019-08-02T14:14:13.839" v="2707" actId="1076"/>
         <pc:sldMkLst>
           <pc:docMk/>
           <pc:sldMk cId="1478984346" sldId="276"/>
@@ -594,11 +637,27 @@
           </ac:spMkLst>
         </pc:spChg>
         <pc:spChg chg="mod">
-          <ac:chgData name="Christophe Lebrun" userId="303fc86cbab77272" providerId="LiveId" clId="{A4B10A2C-AC96-4C3D-BA25-8EF5DF9CDB4E}" dt="2019-07-23T10:12:16.395" v="706" actId="1076"/>
+          <ac:chgData name="Christophe Lebrun" userId="303fc86cbab77272" providerId="LiveId" clId="{A4B10A2C-AC96-4C3D-BA25-8EF5DF9CDB4E}" dt="2019-08-02T14:14:13.839" v="2707" actId="1076"/>
           <ac:spMkLst>
             <pc:docMk/>
             <pc:sldMk cId="1478984346" sldId="276"/>
             <ac:spMk id="3" creationId="{9392442C-B3A0-4638-B622-291C64F6FED7}"/>
+          </ac:spMkLst>
+        </pc:spChg>
+        <pc:spChg chg="del">
+          <ac:chgData name="Christophe Lebrun" userId="303fc86cbab77272" providerId="LiveId" clId="{A4B10A2C-AC96-4C3D-BA25-8EF5DF9CDB4E}" dt="2019-08-01T08:47:13.404" v="2370" actId="478"/>
+          <ac:spMkLst>
+            <pc:docMk/>
+            <pc:sldMk cId="1478984346" sldId="276"/>
+            <ac:spMk id="4" creationId="{2FE16DDD-503D-4A5D-AC51-DE2BF2928870}"/>
+          </ac:spMkLst>
+        </pc:spChg>
+        <pc:spChg chg="add">
+          <ac:chgData name="Christophe Lebrun" userId="303fc86cbab77272" providerId="LiveId" clId="{A4B10A2C-AC96-4C3D-BA25-8EF5DF9CDB4E}" dt="2019-08-01T08:47:15.231" v="2371"/>
+          <ac:spMkLst>
+            <pc:docMk/>
+            <pc:sldMk cId="1478984346" sldId="276"/>
+            <ac:spMk id="6" creationId="{5E00C3BC-F857-4F8A-B344-42D30B295FAB}"/>
           </ac:spMkLst>
         </pc:spChg>
         <pc:picChg chg="add mod">
@@ -611,7 +670,7 @@
         </pc:picChg>
       </pc:sldChg>
       <pc:sldChg chg="addSp delSp modSp add">
-        <pc:chgData name="Christophe Lebrun" userId="303fc86cbab77272" providerId="LiveId" clId="{A4B10A2C-AC96-4C3D-BA25-8EF5DF9CDB4E}" dt="2019-07-25T08:32:05.449" v="1583" actId="20577"/>
+        <pc:chgData name="Christophe Lebrun" userId="303fc86cbab77272" providerId="LiveId" clId="{A4B10A2C-AC96-4C3D-BA25-8EF5DF9CDB4E}" dt="2019-08-01T08:46:54.421" v="2367"/>
         <pc:sldMkLst>
           <pc:docMk/>
           <pc:sldMk cId="211462842" sldId="277"/>
@@ -632,12 +691,28 @@
             <ac:spMk id="3" creationId="{9392442C-B3A0-4638-B622-291C64F6FED7}"/>
           </ac:spMkLst>
         </pc:spChg>
+        <pc:spChg chg="del">
+          <ac:chgData name="Christophe Lebrun" userId="303fc86cbab77272" providerId="LiveId" clId="{A4B10A2C-AC96-4C3D-BA25-8EF5DF9CDB4E}" dt="2019-08-01T08:46:52.879" v="2366" actId="478"/>
+          <ac:spMkLst>
+            <pc:docMk/>
+            <pc:sldMk cId="211462842" sldId="277"/>
+            <ac:spMk id="3" creationId="{A25708DE-A6C9-46FE-BF04-488F3DAC4550}"/>
+          </ac:spMkLst>
+        </pc:spChg>
         <pc:spChg chg="add mod">
           <ac:chgData name="Christophe Lebrun" userId="303fc86cbab77272" providerId="LiveId" clId="{A4B10A2C-AC96-4C3D-BA25-8EF5DF9CDB4E}" dt="2019-07-23T13:31:25.930" v="1556" actId="14100"/>
           <ac:spMkLst>
             <pc:docMk/>
             <pc:sldMk cId="211462842" sldId="277"/>
             <ac:spMk id="8" creationId="{57C4E686-3597-442C-BBB1-830520299636}"/>
+          </ac:spMkLst>
+        </pc:spChg>
+        <pc:spChg chg="add">
+          <ac:chgData name="Christophe Lebrun" userId="303fc86cbab77272" providerId="LiveId" clId="{A4B10A2C-AC96-4C3D-BA25-8EF5DF9CDB4E}" dt="2019-08-01T08:46:54.421" v="2367"/>
+          <ac:spMkLst>
+            <pc:docMk/>
+            <pc:sldMk cId="211462842" sldId="277"/>
+            <ac:spMk id="10" creationId="{43AFFC11-098A-4C97-83FA-BB7498362128}"/>
           </ac:spMkLst>
         </pc:spChg>
         <pc:spChg chg="add mod">
@@ -689,12 +764,36 @@
           </ac:picMkLst>
         </pc:picChg>
       </pc:sldChg>
-      <pc:sldChg chg="addSp delSp add">
-        <pc:chgData name="Christophe Lebrun" userId="303fc86cbab77272" providerId="LiveId" clId="{A4B10A2C-AC96-4C3D-BA25-8EF5DF9CDB4E}" dt="2019-07-23T13:08:54.346" v="1539"/>
+      <pc:sldChg chg="addSp delSp modSp add">
+        <pc:chgData name="Christophe Lebrun" userId="303fc86cbab77272" providerId="LiveId" clId="{A4B10A2C-AC96-4C3D-BA25-8EF5DF9CDB4E}" dt="2019-08-01T09:46:10.825" v="2413" actId="113"/>
         <pc:sldMkLst>
           <pc:docMk/>
           <pc:sldMk cId="3559895393" sldId="278"/>
         </pc:sldMkLst>
+        <pc:spChg chg="mod">
+          <ac:chgData name="Christophe Lebrun" userId="303fc86cbab77272" providerId="LiveId" clId="{A4B10A2C-AC96-4C3D-BA25-8EF5DF9CDB4E}" dt="2019-08-01T09:46:10.825" v="2413" actId="113"/>
+          <ac:spMkLst>
+            <pc:docMk/>
+            <pc:sldMk cId="3559895393" sldId="278"/>
+            <ac:spMk id="2" creationId="{FA44BE58-2168-473C-B291-2AD6719F7F65}"/>
+          </ac:spMkLst>
+        </pc:spChg>
+        <pc:spChg chg="del mod">
+          <ac:chgData name="Christophe Lebrun" userId="303fc86cbab77272" providerId="LiveId" clId="{A4B10A2C-AC96-4C3D-BA25-8EF5DF9CDB4E}" dt="2019-08-01T08:48:25.857" v="2384" actId="478"/>
+          <ac:spMkLst>
+            <pc:docMk/>
+            <pc:sldMk cId="3559895393" sldId="278"/>
+            <ac:spMk id="4" creationId="{F18D4CBE-9ECE-4A81-AA55-0ACFCF7B8E8F}"/>
+          </ac:spMkLst>
+        </pc:spChg>
+        <pc:spChg chg="add">
+          <ac:chgData name="Christophe Lebrun" userId="303fc86cbab77272" providerId="LiveId" clId="{A4B10A2C-AC96-4C3D-BA25-8EF5DF9CDB4E}" dt="2019-08-01T08:48:23.170" v="2383"/>
+          <ac:spMkLst>
+            <pc:docMk/>
+            <pc:sldMk cId="3559895393" sldId="278"/>
+            <ac:spMk id="5" creationId="{3D1D1AB8-7851-4721-BE32-CE6F1CBEFB5E}"/>
+          </ac:spMkLst>
+        </pc:spChg>
         <pc:picChg chg="del">
           <ac:chgData name="Christophe Lebrun" userId="303fc86cbab77272" providerId="LiveId" clId="{A4B10A2C-AC96-4C3D-BA25-8EF5DF9CDB4E}" dt="2019-07-23T13:08:48.331" v="1538" actId="478"/>
           <ac:picMkLst>
@@ -712,63 +811,96 @@
           </ac:picMkLst>
         </pc:picChg>
       </pc:sldChg>
-      <pc:sldChg chg="modSp add">
-        <pc:chgData name="Christophe Lebrun" userId="303fc86cbab77272" providerId="LiveId" clId="{A4B10A2C-AC96-4C3D-BA25-8EF5DF9CDB4E}" dt="2019-07-31T15:14:44.748" v="2307" actId="14100"/>
+      <pc:sldChg chg="addSp delSp modSp add ord">
+        <pc:chgData name="Christophe Lebrun" userId="303fc86cbab77272" providerId="LiveId" clId="{A4B10A2C-AC96-4C3D-BA25-8EF5DF9CDB4E}" dt="2019-08-02T14:11:37.290" v="2643" actId="20577"/>
         <pc:sldMkLst>
           <pc:docMk/>
-          <pc:sldMk cId="3885582004" sldId="279"/>
+          <pc:sldMk cId="1631397488" sldId="280"/>
         </pc:sldMkLst>
         <pc:spChg chg="mod">
-          <ac:chgData name="Christophe Lebrun" userId="303fc86cbab77272" providerId="LiveId" clId="{A4B10A2C-AC96-4C3D-BA25-8EF5DF9CDB4E}" dt="2019-07-31T15:14:40.052" v="2306" actId="1076"/>
+          <ac:chgData name="Christophe Lebrun" userId="303fc86cbab77272" providerId="LiveId" clId="{A4B10A2C-AC96-4C3D-BA25-8EF5DF9CDB4E}" dt="2019-08-02T13:55:42.762" v="2425" actId="20577"/>
           <ac:spMkLst>
             <pc:docMk/>
-            <pc:sldMk cId="3885582004" sldId="279"/>
-            <ac:spMk id="2" creationId="{8484DD3D-163C-48C0-B971-F4330D5AF85C}"/>
+            <pc:sldMk cId="1631397488" sldId="280"/>
+            <ac:spMk id="2" creationId="{859271E4-0F1C-49A2-A674-5837229DC44E}"/>
           </ac:spMkLst>
         </pc:spChg>
         <pc:spChg chg="mod">
-          <ac:chgData name="Christophe Lebrun" userId="303fc86cbab77272" providerId="LiveId" clId="{A4B10A2C-AC96-4C3D-BA25-8EF5DF9CDB4E}" dt="2019-07-31T15:14:44.748" v="2307" actId="14100"/>
+          <ac:chgData name="Christophe Lebrun" userId="303fc86cbab77272" providerId="LiveId" clId="{A4B10A2C-AC96-4C3D-BA25-8EF5DF9CDB4E}" dt="2019-08-02T14:11:37.290" v="2643" actId="20577"/>
           <ac:spMkLst>
             <pc:docMk/>
-            <pc:sldMk cId="3885582004" sldId="279"/>
-            <ac:spMk id="3" creationId="{9D04824F-670C-478E-B97F-289EF20F17A0}"/>
+            <pc:sldMk cId="1631397488" sldId="280"/>
+            <ac:spMk id="3" creationId="{AC191F27-E3EE-4599-B47D-9E2ED5AD9FA1}"/>
           </ac:spMkLst>
         </pc:spChg>
+        <pc:spChg chg="del">
+          <ac:chgData name="Christophe Lebrun" userId="303fc86cbab77272" providerId="LiveId" clId="{A4B10A2C-AC96-4C3D-BA25-8EF5DF9CDB4E}" dt="2019-08-02T13:56:02.451" v="2428" actId="478"/>
+          <ac:spMkLst>
+            <pc:docMk/>
+            <pc:sldMk cId="1631397488" sldId="280"/>
+            <ac:spMk id="4" creationId="{D26A3634-EC4D-4251-AA31-9A08676849C2}"/>
+          </ac:spMkLst>
+        </pc:spChg>
+        <pc:picChg chg="add mod">
+          <ac:chgData name="Christophe Lebrun" userId="303fc86cbab77272" providerId="LiveId" clId="{A4B10A2C-AC96-4C3D-BA25-8EF5DF9CDB4E}" dt="2019-08-02T13:56:07.525" v="2429" actId="1076"/>
+          <ac:picMkLst>
+            <pc:docMk/>
+            <pc:sldMk cId="1631397488" sldId="280"/>
+            <ac:picMk id="5" creationId="{32FE1C47-E0E1-49FA-ADA2-D52922BAE838}"/>
+          </ac:picMkLst>
+        </pc:picChg>
       </pc:sldChg>
-      <pc:sldChg chg="add del">
-        <pc:chgData name="Christophe Lebrun" userId="303fc86cbab77272" providerId="LiveId" clId="{A4B10A2C-AC96-4C3D-BA25-8EF5DF9CDB4E}" dt="2019-07-31T15:04:04.915" v="1776" actId="2696"/>
+      <pc:sldChg chg="addSp delSp modSp add ord">
+        <pc:chgData name="Christophe Lebrun" userId="303fc86cbab77272" providerId="LiveId" clId="{A4B10A2C-AC96-4C3D-BA25-8EF5DF9CDB4E}" dt="2019-08-02T14:02:22.012" v="2618" actId="20577"/>
         <pc:sldMkLst>
           <pc:docMk/>
-          <pc:sldMk cId="1813291209" sldId="280"/>
-        </pc:sldMkLst>
-      </pc:sldChg>
-      <pc:sldChg chg="modSp add del">
-        <pc:chgData name="Christophe Lebrun" userId="303fc86cbab77272" providerId="LiveId" clId="{A4B10A2C-AC96-4C3D-BA25-8EF5DF9CDB4E}" dt="2019-07-31T14:02:49.126" v="1729" actId="2696"/>
-        <pc:sldMkLst>
-          <pc:docMk/>
-          <pc:sldMk cId="2187191915" sldId="280"/>
+          <pc:sldMk cId="2833374160" sldId="281"/>
         </pc:sldMkLst>
         <pc:spChg chg="mod">
-          <ac:chgData name="Christophe Lebrun" userId="303fc86cbab77272" providerId="LiveId" clId="{A4B10A2C-AC96-4C3D-BA25-8EF5DF9CDB4E}" dt="2019-07-31T14:02:32.777" v="1728" actId="20577"/>
+          <ac:chgData name="Christophe Lebrun" userId="303fc86cbab77272" providerId="LiveId" clId="{A4B10A2C-AC96-4C3D-BA25-8EF5DF9CDB4E}" dt="2019-08-02T14:02:22.012" v="2618" actId="20577"/>
           <ac:spMkLst>
             <pc:docMk/>
-            <pc:sldMk cId="2187191915" sldId="280"/>
-            <ac:spMk id="3" creationId="{9D04824F-670C-478E-B97F-289EF20F17A0}"/>
+            <pc:sldMk cId="2833374160" sldId="281"/>
+            <ac:spMk id="2" creationId="{859271E4-0F1C-49A2-A674-5837229DC44E}"/>
+          </ac:spMkLst>
+        </pc:spChg>
+        <pc:spChg chg="del">
+          <ac:chgData name="Christophe Lebrun" userId="303fc86cbab77272" providerId="LiveId" clId="{A4B10A2C-AC96-4C3D-BA25-8EF5DF9CDB4E}" dt="2019-08-02T13:59:47.588" v="2600" actId="478"/>
+          <ac:spMkLst>
+            <pc:docMk/>
+            <pc:sldMk cId="2833374160" sldId="281"/>
+            <ac:spMk id="3" creationId="{AC191F27-E3EE-4599-B47D-9E2ED5AD9FA1}"/>
+          </ac:spMkLst>
+        </pc:spChg>
+        <pc:spChg chg="add del mod">
+          <ac:chgData name="Christophe Lebrun" userId="303fc86cbab77272" providerId="LiveId" clId="{A4B10A2C-AC96-4C3D-BA25-8EF5DF9CDB4E}" dt="2019-08-02T13:59:51.616" v="2601" actId="478"/>
+          <ac:spMkLst>
+            <pc:docMk/>
+            <pc:sldMk cId="2833374160" sldId="281"/>
+            <ac:spMk id="6" creationId="{74E88FAE-EA97-4A58-B5C9-59165F7B78DE}"/>
           </ac:spMkLst>
         </pc:spChg>
       </pc:sldChg>
       <pc:sldChg chg="modSp add">
-        <pc:chgData name="Christophe Lebrun" userId="303fc86cbab77272" providerId="LiveId" clId="{A4B10A2C-AC96-4C3D-BA25-8EF5DF9CDB4E}" dt="2019-07-31T15:08:10.756" v="2077"/>
+        <pc:chgData name="Christophe Lebrun" userId="303fc86cbab77272" providerId="LiveId" clId="{A4B10A2C-AC96-4C3D-BA25-8EF5DF9CDB4E}" dt="2019-08-02T14:26:29.436" v="3687" actId="113"/>
         <pc:sldMkLst>
           <pc:docMk/>
-          <pc:sldMk cId="3597435836" sldId="281"/>
+          <pc:sldMk cId="4229974391" sldId="283"/>
         </pc:sldMkLst>
         <pc:spChg chg="mod">
-          <ac:chgData name="Christophe Lebrun" userId="303fc86cbab77272" providerId="LiveId" clId="{A4B10A2C-AC96-4C3D-BA25-8EF5DF9CDB4E}" dt="2019-07-31T15:08:10.756" v="2077"/>
+          <ac:chgData name="Christophe Lebrun" userId="303fc86cbab77272" providerId="LiveId" clId="{A4B10A2C-AC96-4C3D-BA25-8EF5DF9CDB4E}" dt="2019-08-02T14:25:39.780" v="3651" actId="313"/>
           <ac:spMkLst>
             <pc:docMk/>
-            <pc:sldMk cId="3597435836" sldId="281"/>
-            <ac:spMk id="3" creationId="{9D04824F-670C-478E-B97F-289EF20F17A0}"/>
+            <pc:sldMk cId="4229974391" sldId="283"/>
+            <ac:spMk id="2" creationId="{7850C025-007E-4FA0-BD5D-262373463563}"/>
+          </ac:spMkLst>
+        </pc:spChg>
+        <pc:spChg chg="mod">
+          <ac:chgData name="Christophe Lebrun" userId="303fc86cbab77272" providerId="LiveId" clId="{A4B10A2C-AC96-4C3D-BA25-8EF5DF9CDB4E}" dt="2019-08-02T14:26:29.436" v="3687" actId="113"/>
+          <ac:spMkLst>
+            <pc:docMk/>
+            <pc:sldMk cId="4229974391" sldId="283"/>
+            <ac:spMk id="3" creationId="{46474F09-B1B9-454A-9F56-5CA66AE284CF}"/>
           </ac:spMkLst>
         </pc:spChg>
       </pc:sldChg>
@@ -859,7 +991,7 @@
           <a:p>
             <a:fld id="{A6994B78-A156-4E76-BB28-39D7E36AE272}" type="datetimeFigureOut">
               <a:rPr lang="fr-FR" smtClean="0"/>
-              <a:t>31/07/2019</a:t>
+              <a:t>05/08/2019</a:t>
             </a:fld>
             <a:endParaRPr lang="fr-FR"/>
           </a:p>
@@ -1017,7 +1149,7 @@
           <a:p>
             <a:fld id="{5AA8A231-FDF8-4574-A969-AC3B90D90B32}" type="slidenum">
               <a:rPr lang="fr-FR" smtClean="0"/>
-              <a:t>‹N°›</a:t>
+              <a:t>‹#›</a:t>
             </a:fld>
             <a:endParaRPr lang="fr-FR"/>
           </a:p>
@@ -1191,7 +1323,7 @@
           <a:p>
             <a:fld id="{5AA8A231-FDF8-4574-A969-AC3B90D90B32}" type="slidenum">
               <a:rPr lang="fr-FR" smtClean="0"/>
-              <a:t>6</a:t>
+              <a:t>8</a:t>
             </a:fld>
             <a:endParaRPr lang="fr-FR"/>
           </a:p>
@@ -1378,9 +1510,9 @@
           <a:bodyPr/>
           <a:lstStyle/>
           <a:p>
-            <a:fld id="{84B9F630-F5BB-4C68-A90B-7601F27B3C8E}" type="datetimeFigureOut">
+            <a:fld id="{21493104-0DD6-4188-A408-37748D818DBE}" type="datetime1">
               <a:rPr lang="fr-FR" smtClean="0"/>
-              <a:t>31/07/2019</a:t>
+              <a:t>05/08/2019</a:t>
             </a:fld>
             <a:endParaRPr lang="fr-FR"/>
           </a:p>
@@ -1432,7 +1564,7 @@
           <a:p>
             <a:fld id="{22EBEF4F-4056-4A7E-9612-F3E8B502E28B}" type="slidenum">
               <a:rPr lang="fr-FR" smtClean="0"/>
-              <a:t>‹N°›</a:t>
+              <a:t>‹#›</a:t>
             </a:fld>
             <a:endParaRPr lang="fr-FR"/>
           </a:p>
@@ -1645,9 +1777,9 @@
           <a:bodyPr/>
           <a:lstStyle/>
           <a:p>
-            <a:fld id="{84B9F630-F5BB-4C68-A90B-7601F27B3C8E}" type="datetimeFigureOut">
+            <a:fld id="{33EC2012-1BFF-4C92-91DA-ED5E44E2DAE6}" type="datetime1">
               <a:rPr lang="fr-FR" smtClean="0"/>
-              <a:t>31/07/2019</a:t>
+              <a:t>05/08/2019</a:t>
             </a:fld>
             <a:endParaRPr lang="fr-FR"/>
           </a:p>
@@ -1689,7 +1821,7 @@
           <a:p>
             <a:fld id="{22EBEF4F-4056-4A7E-9612-F3E8B502E28B}" type="slidenum">
               <a:rPr lang="fr-FR" smtClean="0"/>
-              <a:t>‹N°›</a:t>
+              <a:t>‹#›</a:t>
             </a:fld>
             <a:endParaRPr lang="fr-FR"/>
           </a:p>
@@ -1876,9 +2008,9 @@
             </a:lvl1pPr>
           </a:lstStyle>
           <a:p>
-            <a:fld id="{84B9F630-F5BB-4C68-A90B-7601F27B3C8E}" type="datetimeFigureOut">
+            <a:fld id="{36D54C82-D4A8-4BCC-BBE6-5333B0B84731}" type="datetime1">
               <a:rPr lang="fr-FR" smtClean="0"/>
-              <a:t>31/07/2019</a:t>
+              <a:t>05/08/2019</a:t>
             </a:fld>
             <a:endParaRPr lang="fr-FR"/>
           </a:p>
@@ -1930,7 +2062,7 @@
           <a:p>
             <a:fld id="{22EBEF4F-4056-4A7E-9612-F3E8B502E28B}" type="slidenum">
               <a:rPr lang="fr-FR" smtClean="0"/>
-              <a:t>‹N°›</a:t>
+              <a:t>‹#›</a:t>
             </a:fld>
             <a:endParaRPr lang="fr-FR"/>
           </a:p>
@@ -2186,9 +2318,9 @@
             </a:lvl1pPr>
           </a:lstStyle>
           <a:p>
-            <a:fld id="{84B9F630-F5BB-4C68-A90B-7601F27B3C8E}" type="datetimeFigureOut">
+            <a:fld id="{DDD00B7C-7A69-493A-8A97-AE08389BB3D5}" type="datetime1">
               <a:rPr lang="fr-FR" smtClean="0"/>
-              <a:t>31/07/2019</a:t>
+              <a:t>05/08/2019</a:t>
             </a:fld>
             <a:endParaRPr lang="fr-FR"/>
           </a:p>
@@ -2240,7 +2372,7 @@
           <a:p>
             <a:fld id="{22EBEF4F-4056-4A7E-9612-F3E8B502E28B}" type="slidenum">
               <a:rPr lang="fr-FR" smtClean="0"/>
-              <a:t>‹N°›</a:t>
+              <a:t>‹#›</a:t>
             </a:fld>
             <a:endParaRPr lang="fr-FR"/>
           </a:p>
@@ -2659,9 +2791,9 @@
             </a:lvl1pPr>
           </a:lstStyle>
           <a:p>
-            <a:fld id="{84B9F630-F5BB-4C68-A90B-7601F27B3C8E}" type="datetimeFigureOut">
+            <a:fld id="{551B583F-2DDE-447D-8CBF-9525FA0FB806}" type="datetime1">
               <a:rPr lang="fr-FR" smtClean="0"/>
-              <a:t>31/07/2019</a:t>
+              <a:t>05/08/2019</a:t>
             </a:fld>
             <a:endParaRPr lang="fr-FR"/>
           </a:p>
@@ -2713,7 +2845,7 @@
           <a:p>
             <a:fld id="{22EBEF4F-4056-4A7E-9612-F3E8B502E28B}" type="slidenum">
               <a:rPr lang="fr-FR" smtClean="0"/>
-              <a:t>‹N°›</a:t>
+              <a:t>‹#›</a:t>
             </a:fld>
             <a:endParaRPr lang="fr-FR"/>
           </a:p>
@@ -3206,9 +3338,9 @@
           <a:bodyPr/>
           <a:lstStyle/>
           <a:p>
-            <a:fld id="{84B9F630-F5BB-4C68-A90B-7601F27B3C8E}" type="datetimeFigureOut">
+            <a:fld id="{F196D0C2-EC15-4914-BD1C-8DC6D93A7E06}" type="datetime1">
               <a:rPr lang="fr-FR" smtClean="0"/>
-              <a:t>31/07/2019</a:t>
+              <a:t>05/08/2019</a:t>
             </a:fld>
             <a:endParaRPr lang="fr-FR"/>
           </a:p>
@@ -3250,7 +3382,7 @@
           <a:p>
             <a:fld id="{22EBEF4F-4056-4A7E-9612-F3E8B502E28B}" type="slidenum">
               <a:rPr lang="fr-FR" smtClean="0"/>
-              <a:t>‹N°›</a:t>
+              <a:t>‹#›</a:t>
             </a:fld>
             <a:endParaRPr lang="fr-FR"/>
           </a:p>
@@ -3980,9 +4112,9 @@
           <a:bodyPr/>
           <a:lstStyle/>
           <a:p>
-            <a:fld id="{84B9F630-F5BB-4C68-A90B-7601F27B3C8E}" type="datetimeFigureOut">
+            <a:fld id="{B0F0F71C-CB2D-46DF-BBF5-45A6CF07943D}" type="datetime1">
               <a:rPr lang="fr-FR" smtClean="0"/>
-              <a:t>31/07/2019</a:t>
+              <a:t>05/08/2019</a:t>
             </a:fld>
             <a:endParaRPr lang="fr-FR"/>
           </a:p>
@@ -4024,7 +4156,7 @@
           <a:p>
             <a:fld id="{22EBEF4F-4056-4A7E-9612-F3E8B502E28B}" type="slidenum">
               <a:rPr lang="fr-FR" smtClean="0"/>
-              <a:t>‹N°›</a:t>
+              <a:t>‹#›</a:t>
             </a:fld>
             <a:endParaRPr lang="fr-FR"/>
           </a:p>
@@ -4155,9 +4287,9 @@
           <a:bodyPr/>
           <a:lstStyle/>
           <a:p>
-            <a:fld id="{84B9F630-F5BB-4C68-A90B-7601F27B3C8E}" type="datetimeFigureOut">
+            <a:fld id="{D8EE97A0-E3EB-454D-B57B-09208F6C2349}" type="datetime1">
               <a:rPr lang="fr-FR" smtClean="0"/>
-              <a:t>31/07/2019</a:t>
+              <a:t>05/08/2019</a:t>
             </a:fld>
             <a:endParaRPr lang="fr-FR"/>
           </a:p>
@@ -4199,7 +4331,7 @@
           <a:p>
             <a:fld id="{22EBEF4F-4056-4A7E-9612-F3E8B502E28B}" type="slidenum">
               <a:rPr lang="fr-FR" smtClean="0"/>
-              <a:t>‹N°›</a:t>
+              <a:t>‹#›</a:t>
             </a:fld>
             <a:endParaRPr lang="fr-FR"/>
           </a:p>
@@ -4378,9 +4510,9 @@
             </a:lvl1pPr>
           </a:lstStyle>
           <a:p>
-            <a:fld id="{84B9F630-F5BB-4C68-A90B-7601F27B3C8E}" type="datetimeFigureOut">
+            <a:fld id="{0C6102B9-41E8-4E57-8EA6-AB67D80E10AB}" type="datetime1">
               <a:rPr lang="fr-FR" smtClean="0"/>
-              <a:t>31/07/2019</a:t>
+              <a:t>05/08/2019</a:t>
             </a:fld>
             <a:endParaRPr lang="fr-FR"/>
           </a:p>
@@ -4432,7 +4564,7 @@
           <a:p>
             <a:fld id="{22EBEF4F-4056-4A7E-9612-F3E8B502E28B}" type="slidenum">
               <a:rPr lang="fr-FR" smtClean="0"/>
-              <a:t>‹N°›</a:t>
+              <a:t>‹#›</a:t>
             </a:fld>
             <a:endParaRPr lang="fr-FR"/>
           </a:p>
@@ -4619,9 +4751,9 @@
           <a:bodyPr/>
           <a:lstStyle/>
           <a:p>
-            <a:fld id="{54B6F6AC-B635-49E8-AD39-25D6B80DE0E6}" type="datetime1">
+            <a:fld id="{4A2428F8-4951-4546-B4FA-7B0FACC74B80}" type="datetime1">
               <a:rPr lang="fr-FR" smtClean="0"/>
-              <a:t>31/07/2019</a:t>
+              <a:t>05/08/2019</a:t>
             </a:fld>
             <a:endParaRPr lang="fr-FR"/>
           </a:p>
@@ -4673,7 +4805,7 @@
           <a:p>
             <a:fld id="{22EBEF4F-4056-4A7E-9612-F3E8B502E28B}" type="slidenum">
               <a:rPr lang="fr-FR" smtClean="0"/>
-              <a:t>‹N°›</a:t>
+              <a:t>‹#›</a:t>
             </a:fld>
             <a:endParaRPr lang="fr-FR"/>
           </a:p>
@@ -4799,9 +4931,9 @@
           <a:bodyPr/>
           <a:lstStyle/>
           <a:p>
-            <a:fld id="{AA0C9F5C-BC05-4EF4-8BD6-33359458BD21}" type="datetime1">
+            <a:fld id="{2468CB63-00AE-4756-B792-32C885852036}" type="datetime1">
               <a:rPr lang="fr-FR" smtClean="0"/>
-              <a:t>31/07/2019</a:t>
+              <a:t>05/08/2019</a:t>
             </a:fld>
             <a:endParaRPr lang="fr-FR"/>
           </a:p>
@@ -4848,7 +4980,7 @@
           <a:p>
             <a:fld id="{22EBEF4F-4056-4A7E-9612-F3E8B502E28B}" type="slidenum">
               <a:rPr lang="fr-FR" smtClean="0"/>
-              <a:t>‹N°›</a:t>
+              <a:t>‹#›</a:t>
             </a:fld>
             <a:endParaRPr lang="fr-FR"/>
           </a:p>
@@ -4974,9 +5106,9 @@
           <a:bodyPr/>
           <a:lstStyle/>
           <a:p>
-            <a:fld id="{84B9F630-F5BB-4C68-A90B-7601F27B3C8E}" type="datetimeFigureOut">
+            <a:fld id="{824ACC8D-CADA-4745-885B-C009075ACE07}" type="datetime1">
               <a:rPr lang="fr-FR" smtClean="0"/>
-              <a:t>31/07/2019</a:t>
+              <a:t>05/08/2019</a:t>
             </a:fld>
             <a:endParaRPr lang="fr-FR"/>
           </a:p>
@@ -5018,7 +5150,7 @@
           <a:p>
             <a:fld id="{22EBEF4F-4056-4A7E-9612-F3E8B502E28B}" type="slidenum">
               <a:rPr lang="fr-FR" smtClean="0"/>
-              <a:t>‹N°›</a:t>
+              <a:t>‹#›</a:t>
             </a:fld>
             <a:endParaRPr lang="fr-FR"/>
           </a:p>
@@ -5263,9 +5395,9 @@
             </a:lvl1pPr>
           </a:lstStyle>
           <a:p>
-            <a:fld id="{DA0E5D4C-5B16-450A-9F53-23742EA3455D}" type="datetime1">
+            <a:fld id="{10EA4304-F7B0-45DA-9970-108CC9362744}" type="datetime1">
               <a:rPr lang="fr-FR" smtClean="0"/>
-              <a:t>31/07/2019</a:t>
+              <a:t>05/08/2019</a:t>
             </a:fld>
             <a:endParaRPr lang="fr-FR"/>
           </a:p>
@@ -5317,7 +5449,7 @@
           <a:p>
             <a:fld id="{22EBEF4F-4056-4A7E-9612-F3E8B502E28B}" type="slidenum">
               <a:rPr lang="fr-FR" smtClean="0"/>
-              <a:t>‹N°›</a:t>
+              <a:t>‹#›</a:t>
             </a:fld>
             <a:endParaRPr lang="fr-FR"/>
           </a:p>
@@ -5505,9 +5637,9 @@
           <a:bodyPr/>
           <a:lstStyle/>
           <a:p>
-            <a:fld id="{5CA58B6B-D91F-4B7B-A85A-33ADBBB521D8}" type="datetime1">
+            <a:fld id="{5EF8BD1A-0AB3-42BB-87D7-511BD450E973}" type="datetime1">
               <a:rPr lang="fr-FR" smtClean="0"/>
-              <a:t>31/07/2019</a:t>
+              <a:t>05/08/2019</a:t>
             </a:fld>
             <a:endParaRPr lang="fr-FR"/>
           </a:p>
@@ -5549,7 +5681,7 @@
           <a:p>
             <a:fld id="{22EBEF4F-4056-4A7E-9612-F3E8B502E28B}" type="slidenum">
               <a:rPr lang="fr-FR" smtClean="0"/>
-              <a:t>‹N°›</a:t>
+              <a:t>‹#›</a:t>
             </a:fld>
             <a:endParaRPr lang="fr-FR"/>
           </a:p>
@@ -5884,9 +6016,9 @@
           <a:bodyPr/>
           <a:lstStyle/>
           <a:p>
-            <a:fld id="{D7885429-2710-4D09-8E61-49C2A3793391}" type="datetime1">
+            <a:fld id="{F0ED20F9-E137-45C5-9CDB-EB23F7F61742}" type="datetime1">
               <a:rPr lang="fr-FR" smtClean="0"/>
-              <a:t>31/07/2019</a:t>
+              <a:t>05/08/2019</a:t>
             </a:fld>
             <a:endParaRPr lang="fr-FR"/>
           </a:p>
@@ -5928,7 +6060,7 @@
           <a:p>
             <a:fld id="{22EBEF4F-4056-4A7E-9612-F3E8B502E28B}" type="slidenum">
               <a:rPr lang="fr-FR" smtClean="0"/>
-              <a:t>‹N°›</a:t>
+              <a:t>‹#›</a:t>
             </a:fld>
             <a:endParaRPr lang="fr-FR"/>
           </a:p>
@@ -6002,9 +6134,9 @@
           <a:bodyPr/>
           <a:lstStyle/>
           <a:p>
-            <a:fld id="{8D0B89BF-E170-4140-AA34-96D58AFCDD5F}" type="datetime1">
+            <a:fld id="{7F549FA9-5419-4577-ACA1-5FA8B1F430E1}" type="datetime1">
               <a:rPr lang="fr-FR" smtClean="0"/>
-              <a:t>31/07/2019</a:t>
+              <a:t>05/08/2019</a:t>
             </a:fld>
             <a:endParaRPr lang="fr-FR"/>
           </a:p>
@@ -6046,7 +6178,7 @@
           <a:p>
             <a:fld id="{22EBEF4F-4056-4A7E-9612-F3E8B502E28B}" type="slidenum">
               <a:rPr lang="fr-FR" smtClean="0"/>
-              <a:t>‹N°›</a:t>
+              <a:t>‹#›</a:t>
             </a:fld>
             <a:endParaRPr lang="fr-FR"/>
           </a:p>
@@ -6097,9 +6229,9 @@
           <a:bodyPr/>
           <a:lstStyle/>
           <a:p>
-            <a:fld id="{B6C60C2F-A1A5-45E1-96C3-1CA37BE21112}" type="datetime1">
+            <a:fld id="{B732A3B4-D77F-4011-84A4-1CE2C85060AA}" type="datetime1">
               <a:rPr lang="fr-FR" smtClean="0"/>
-              <a:t>31/07/2019</a:t>
+              <a:t>05/08/2019</a:t>
             </a:fld>
             <a:endParaRPr lang="fr-FR"/>
           </a:p>
@@ -6141,7 +6273,7 @@
           <a:p>
             <a:fld id="{22EBEF4F-4056-4A7E-9612-F3E8B502E28B}" type="slidenum">
               <a:rPr lang="fr-FR" smtClean="0"/>
-              <a:t>‹N°›</a:t>
+              <a:t>‹#›</a:t>
             </a:fld>
             <a:endParaRPr lang="fr-FR"/>
           </a:p>
@@ -6346,9 +6478,9 @@
           <a:bodyPr/>
           <a:lstStyle/>
           <a:p>
-            <a:fld id="{370CF9CE-3B6E-4BA0-B508-EE7AC7B2C66D}" type="datetime1">
+            <a:fld id="{AFD5C01D-38A9-4545-9F6C-D14ECEB1FB25}" type="datetime1">
               <a:rPr lang="fr-FR" smtClean="0"/>
-              <a:t>31/07/2019</a:t>
+              <a:t>05/08/2019</a:t>
             </a:fld>
             <a:endParaRPr lang="fr-FR"/>
           </a:p>
@@ -6390,7 +6522,7 @@
           <a:p>
             <a:fld id="{22EBEF4F-4056-4A7E-9612-F3E8B502E28B}" type="slidenum">
               <a:rPr lang="fr-FR" smtClean="0"/>
-              <a:t>‹N°›</a:t>
+              <a:t>‹#›</a:t>
             </a:fld>
             <a:endParaRPr lang="fr-FR"/>
           </a:p>
@@ -6603,9 +6735,9 @@
           <a:bodyPr/>
           <a:lstStyle/>
           <a:p>
-            <a:fld id="{317A97A1-CDF0-4B32-AA22-69C244146889}" type="datetime1">
+            <a:fld id="{AD9F5F43-A7C8-4BE7-8EDD-3B94DD5ED3AC}" type="datetime1">
               <a:rPr lang="fr-FR" smtClean="0"/>
-              <a:t>31/07/2019</a:t>
+              <a:t>05/08/2019</a:t>
             </a:fld>
             <a:endParaRPr lang="fr-FR"/>
           </a:p>
@@ -6647,7 +6779,7 @@
           <a:p>
             <a:fld id="{22EBEF4F-4056-4A7E-9612-F3E8B502E28B}" type="slidenum">
               <a:rPr lang="fr-FR" smtClean="0"/>
-              <a:t>‹N°›</a:t>
+              <a:t>‹#›</a:t>
             </a:fld>
             <a:endParaRPr lang="fr-FR"/>
           </a:p>
@@ -6860,9 +6992,9 @@
           <a:bodyPr/>
           <a:lstStyle/>
           <a:p>
-            <a:fld id="{80C9FF0B-9CBD-4F04-BC8E-850219E405E8}" type="datetime1">
+            <a:fld id="{ACB6019D-FF65-4B6D-88E7-E32520CD55FC}" type="datetime1">
               <a:rPr lang="fr-FR" smtClean="0"/>
-              <a:t>31/07/2019</a:t>
+              <a:t>05/08/2019</a:t>
             </a:fld>
             <a:endParaRPr lang="fr-FR"/>
           </a:p>
@@ -6904,7 +7036,7 @@
           <a:p>
             <a:fld id="{22EBEF4F-4056-4A7E-9612-F3E8B502E28B}" type="slidenum">
               <a:rPr lang="fr-FR" smtClean="0"/>
-              <a:t>‹N°›</a:t>
+              <a:t>‹#›</a:t>
             </a:fld>
             <a:endParaRPr lang="fr-FR"/>
           </a:p>
@@ -7091,9 +7223,9 @@
             </a:lvl1pPr>
           </a:lstStyle>
           <a:p>
-            <a:fld id="{26C86C24-B959-4CE5-8A34-CB5B8A829C67}" type="datetime1">
+            <a:fld id="{F801886C-9464-46E7-BC75-B4C59B337121}" type="datetime1">
               <a:rPr lang="fr-FR" smtClean="0"/>
-              <a:t>31/07/2019</a:t>
+              <a:t>05/08/2019</a:t>
             </a:fld>
             <a:endParaRPr lang="fr-FR"/>
           </a:p>
@@ -7145,7 +7277,7 @@
           <a:p>
             <a:fld id="{22EBEF4F-4056-4A7E-9612-F3E8B502E28B}" type="slidenum">
               <a:rPr lang="fr-FR" smtClean="0"/>
-              <a:t>‹N°›</a:t>
+              <a:t>‹#›</a:t>
             </a:fld>
             <a:endParaRPr lang="fr-FR"/>
           </a:p>
@@ -7401,9 +7533,9 @@
             </a:lvl1pPr>
           </a:lstStyle>
           <a:p>
-            <a:fld id="{4FB2240D-0D7E-4CC8-ABBB-AF968FD1A806}" type="datetime1">
+            <a:fld id="{AB2972D2-6F14-4C24-9E0C-4FF7F34B2768}" type="datetime1">
               <a:rPr lang="fr-FR" smtClean="0"/>
-              <a:t>31/07/2019</a:t>
+              <a:t>05/08/2019</a:t>
             </a:fld>
             <a:endParaRPr lang="fr-FR"/>
           </a:p>
@@ -7455,7 +7587,7 @@
           <a:p>
             <a:fld id="{22EBEF4F-4056-4A7E-9612-F3E8B502E28B}" type="slidenum">
               <a:rPr lang="fr-FR" smtClean="0"/>
-              <a:t>‹N°›</a:t>
+              <a:t>‹#›</a:t>
             </a:fld>
             <a:endParaRPr lang="fr-FR"/>
           </a:p>
@@ -7932,9 +8064,9 @@
             </a:lvl1pPr>
           </a:lstStyle>
           <a:p>
-            <a:fld id="{84B9F630-F5BB-4C68-A90B-7601F27B3C8E}" type="datetimeFigureOut">
+            <a:fld id="{F898AE11-0657-4D23-A8AC-E411F594EC7D}" type="datetime1">
               <a:rPr lang="fr-FR" smtClean="0"/>
-              <a:t>31/07/2019</a:t>
+              <a:t>05/08/2019</a:t>
             </a:fld>
             <a:endParaRPr lang="fr-FR"/>
           </a:p>
@@ -7986,7 +8118,7 @@
           <a:p>
             <a:fld id="{22EBEF4F-4056-4A7E-9612-F3E8B502E28B}" type="slidenum">
               <a:rPr lang="fr-FR" smtClean="0"/>
-              <a:t>‹N°›</a:t>
+              <a:t>‹#›</a:t>
             </a:fld>
             <a:endParaRPr lang="fr-FR"/>
           </a:p>
@@ -8173,9 +8305,9 @@
             </a:lvl1pPr>
           </a:lstStyle>
           <a:p>
-            <a:fld id="{67BEAE87-86E4-4F5F-AE38-73D4AEFFF604}" type="datetime1">
+            <a:fld id="{150DD647-851C-4A6E-99E4-412E2060441D}" type="datetime1">
               <a:rPr lang="fr-FR" smtClean="0"/>
-              <a:t>31/07/2019</a:t>
+              <a:t>05/08/2019</a:t>
             </a:fld>
             <a:endParaRPr lang="fr-FR"/>
           </a:p>
@@ -8227,7 +8359,7 @@
           <a:p>
             <a:fld id="{22EBEF4F-4056-4A7E-9612-F3E8B502E28B}" type="slidenum">
               <a:rPr lang="fr-FR" smtClean="0"/>
-              <a:t>‹N°›</a:t>
+              <a:t>‹#›</a:t>
             </a:fld>
             <a:endParaRPr lang="fr-FR"/>
           </a:p>
@@ -8720,9 +8852,9 @@
           <a:bodyPr/>
           <a:lstStyle/>
           <a:p>
-            <a:fld id="{6D3F5489-5049-4C66-B19B-6591BA1F8BF4}" type="datetime1">
+            <a:fld id="{33781566-4F69-403C-9080-3BFEE2B37491}" type="datetime1">
               <a:rPr lang="fr-FR" smtClean="0"/>
-              <a:t>31/07/2019</a:t>
+              <a:t>05/08/2019</a:t>
             </a:fld>
             <a:endParaRPr lang="fr-FR"/>
           </a:p>
@@ -8764,7 +8896,7 @@
           <a:p>
             <a:fld id="{22EBEF4F-4056-4A7E-9612-F3E8B502E28B}" type="slidenum">
               <a:rPr lang="fr-FR" smtClean="0"/>
-              <a:t>‹N°›</a:t>
+              <a:t>‹#›</a:t>
             </a:fld>
             <a:endParaRPr lang="fr-FR"/>
           </a:p>
@@ -9494,9 +9626,9 @@
           <a:bodyPr/>
           <a:lstStyle/>
           <a:p>
-            <a:fld id="{2389485D-47E1-49DC-BE41-530856315040}" type="datetime1">
+            <a:fld id="{14D47B0C-B5AB-42EB-BB2D-F19425E95921}" type="datetime1">
               <a:rPr lang="fr-FR" smtClean="0"/>
-              <a:t>31/07/2019</a:t>
+              <a:t>05/08/2019</a:t>
             </a:fld>
             <a:endParaRPr lang="fr-FR"/>
           </a:p>
@@ -9538,7 +9670,7 @@
           <a:p>
             <a:fld id="{22EBEF4F-4056-4A7E-9612-F3E8B502E28B}" type="slidenum">
               <a:rPr lang="fr-FR" smtClean="0"/>
-              <a:t>‹N°›</a:t>
+              <a:t>‹#›</a:t>
             </a:fld>
             <a:endParaRPr lang="fr-FR"/>
           </a:p>
@@ -9669,9 +9801,9 @@
           <a:bodyPr/>
           <a:lstStyle/>
           <a:p>
-            <a:fld id="{0E721E11-F50D-42AE-9AB8-1A6105A269A6}" type="datetime1">
+            <a:fld id="{C573A1F9-098E-4818-B4BA-05597FCE7433}" type="datetime1">
               <a:rPr lang="fr-FR" smtClean="0"/>
-              <a:t>31/07/2019</a:t>
+              <a:t>05/08/2019</a:t>
             </a:fld>
             <a:endParaRPr lang="fr-FR"/>
           </a:p>
@@ -9713,7 +9845,7 @@
           <a:p>
             <a:fld id="{22EBEF4F-4056-4A7E-9612-F3E8B502E28B}" type="slidenum">
               <a:rPr lang="fr-FR" smtClean="0"/>
-              <a:t>‹N°›</a:t>
+              <a:t>‹#›</a:t>
             </a:fld>
             <a:endParaRPr lang="fr-FR"/>
           </a:p>
@@ -9892,9 +10024,9 @@
             </a:lvl1pPr>
           </a:lstStyle>
           <a:p>
-            <a:fld id="{1CE6973C-B64A-4F7A-8C93-0FC4E9D2712E}" type="datetime1">
+            <a:fld id="{9B85617F-11C8-46B4-82FC-6C143D8E927D}" type="datetime1">
               <a:rPr lang="fr-FR" smtClean="0"/>
-              <a:t>31/07/2019</a:t>
+              <a:t>05/08/2019</a:t>
             </a:fld>
             <a:endParaRPr lang="fr-FR"/>
           </a:p>
@@ -9946,7 +10078,7 @@
           <a:p>
             <a:fld id="{22EBEF4F-4056-4A7E-9612-F3E8B502E28B}" type="slidenum">
               <a:rPr lang="fr-FR" smtClean="0"/>
-              <a:t>‹N°›</a:t>
+              <a:t>‹#›</a:t>
             </a:fld>
             <a:endParaRPr lang="fr-FR"/>
           </a:p>
@@ -10134,9 +10266,9 @@
           <a:bodyPr/>
           <a:lstStyle/>
           <a:p>
-            <a:fld id="{84B9F630-F5BB-4C68-A90B-7601F27B3C8E}" type="datetimeFigureOut">
+            <a:fld id="{5F7B142A-F148-4ADB-A468-FE587DAD07D9}" type="datetime1">
               <a:rPr lang="fr-FR" smtClean="0"/>
-              <a:t>31/07/2019</a:t>
+              <a:t>05/08/2019</a:t>
             </a:fld>
             <a:endParaRPr lang="fr-FR"/>
           </a:p>
@@ -10178,7 +10310,7 @@
           <a:p>
             <a:fld id="{22EBEF4F-4056-4A7E-9612-F3E8B502E28B}" type="slidenum">
               <a:rPr lang="fr-FR" smtClean="0"/>
-              <a:t>‹N°›</a:t>
+              <a:t>‹#›</a:t>
             </a:fld>
             <a:endParaRPr lang="fr-FR"/>
           </a:p>
@@ -10513,9 +10645,9 @@
           <a:bodyPr/>
           <a:lstStyle/>
           <a:p>
-            <a:fld id="{84B9F630-F5BB-4C68-A90B-7601F27B3C8E}" type="datetimeFigureOut">
+            <a:fld id="{DF19706F-1691-421A-B634-B96F386F7B76}" type="datetime1">
               <a:rPr lang="fr-FR" smtClean="0"/>
-              <a:t>31/07/2019</a:t>
+              <a:t>05/08/2019</a:t>
             </a:fld>
             <a:endParaRPr lang="fr-FR"/>
           </a:p>
@@ -10557,7 +10689,7 @@
           <a:p>
             <a:fld id="{22EBEF4F-4056-4A7E-9612-F3E8B502E28B}" type="slidenum">
               <a:rPr lang="fr-FR" smtClean="0"/>
-              <a:t>‹N°›</a:t>
+              <a:t>‹#›</a:t>
             </a:fld>
             <a:endParaRPr lang="fr-FR"/>
           </a:p>
@@ -10631,9 +10763,9 @@
           <a:bodyPr/>
           <a:lstStyle/>
           <a:p>
-            <a:fld id="{84B9F630-F5BB-4C68-A90B-7601F27B3C8E}" type="datetimeFigureOut">
+            <a:fld id="{82E02EEA-4114-443B-89FA-6E832FF354CE}" type="datetime1">
               <a:rPr lang="fr-FR" smtClean="0"/>
-              <a:t>31/07/2019</a:t>
+              <a:t>05/08/2019</a:t>
             </a:fld>
             <a:endParaRPr lang="fr-FR"/>
           </a:p>
@@ -10675,7 +10807,7 @@
           <a:p>
             <a:fld id="{22EBEF4F-4056-4A7E-9612-F3E8B502E28B}" type="slidenum">
               <a:rPr lang="fr-FR" smtClean="0"/>
-              <a:t>‹N°›</a:t>
+              <a:t>‹#›</a:t>
             </a:fld>
             <a:endParaRPr lang="fr-FR"/>
           </a:p>
@@ -10726,9 +10858,9 @@
           <a:bodyPr/>
           <a:lstStyle/>
           <a:p>
-            <a:fld id="{84B9F630-F5BB-4C68-A90B-7601F27B3C8E}" type="datetimeFigureOut">
+            <a:fld id="{5BF41AA7-3BDA-4782-B3C5-401728461EBA}" type="datetime1">
               <a:rPr lang="fr-FR" smtClean="0"/>
-              <a:t>31/07/2019</a:t>
+              <a:t>05/08/2019</a:t>
             </a:fld>
             <a:endParaRPr lang="fr-FR"/>
           </a:p>
@@ -10770,7 +10902,7 @@
           <a:p>
             <a:fld id="{22EBEF4F-4056-4A7E-9612-F3E8B502E28B}" type="slidenum">
               <a:rPr lang="fr-FR" smtClean="0"/>
-              <a:t>‹N°›</a:t>
+              <a:t>‹#›</a:t>
             </a:fld>
             <a:endParaRPr lang="fr-FR"/>
           </a:p>
@@ -10975,9 +11107,9 @@
           <a:bodyPr/>
           <a:lstStyle/>
           <a:p>
-            <a:fld id="{84B9F630-F5BB-4C68-A90B-7601F27B3C8E}" type="datetimeFigureOut">
+            <a:fld id="{790D4B45-0ED5-401D-87BF-F27E5AD4E8F6}" type="datetime1">
               <a:rPr lang="fr-FR" smtClean="0"/>
-              <a:t>31/07/2019</a:t>
+              <a:t>05/08/2019</a:t>
             </a:fld>
             <a:endParaRPr lang="fr-FR"/>
           </a:p>
@@ -11019,7 +11151,7 @@
           <a:p>
             <a:fld id="{22EBEF4F-4056-4A7E-9612-F3E8B502E28B}" type="slidenum">
               <a:rPr lang="fr-FR" smtClean="0"/>
-              <a:t>‹N°›</a:t>
+              <a:t>‹#›</a:t>
             </a:fld>
             <a:endParaRPr lang="fr-FR"/>
           </a:p>
@@ -11232,9 +11364,9 @@
           <a:bodyPr/>
           <a:lstStyle/>
           <a:p>
-            <a:fld id="{84B9F630-F5BB-4C68-A90B-7601F27B3C8E}" type="datetimeFigureOut">
+            <a:fld id="{C4BA227D-3211-4923-B058-2465568DA97C}" type="datetime1">
               <a:rPr lang="fr-FR" smtClean="0"/>
-              <a:t>31/07/2019</a:t>
+              <a:t>05/08/2019</a:t>
             </a:fld>
             <a:endParaRPr lang="fr-FR"/>
           </a:p>
@@ -11276,7 +11408,7 @@
           <a:p>
             <a:fld id="{22EBEF4F-4056-4A7E-9612-F3E8B502E28B}" type="slidenum">
               <a:rPr lang="fr-FR" smtClean="0"/>
-              <a:t>‹N°›</a:t>
+              <a:t>‹#›</a:t>
             </a:fld>
             <a:endParaRPr lang="fr-FR"/>
           </a:p>
@@ -11475,9 +11607,9 @@
             </a:lvl1pPr>
           </a:lstStyle>
           <a:p>
-            <a:fld id="{84B9F630-F5BB-4C68-A90B-7601F27B3C8E}" type="datetimeFigureOut">
+            <a:fld id="{C0D22650-866C-43F7-8C91-C810959EF2B7}" type="datetime1">
               <a:rPr lang="fr-FR" smtClean="0"/>
-              <a:t>31/07/2019</a:t>
+              <a:t>05/08/2019</a:t>
             </a:fld>
             <a:endParaRPr lang="fr-FR"/>
           </a:p>
@@ -11555,7 +11687,7 @@
           <a:p>
             <a:fld id="{22EBEF4F-4056-4A7E-9612-F3E8B502E28B}" type="slidenum">
               <a:rPr lang="fr-FR" smtClean="0"/>
-              <a:t>‹N°›</a:t>
+              <a:t>‹#›</a:t>
             </a:fld>
             <a:endParaRPr lang="fr-FR"/>
           </a:p>
@@ -11588,6 +11720,7 @@
     <p:sldLayoutId id="2147483694" r:id="rId16"/>
     <p:sldLayoutId id="2147483695" r:id="rId17"/>
   </p:sldLayoutIdLst>
+  <p:hf hdr="0" ftr="0" dt="0"/>
   <p:txStyles>
     <p:titleStyle>
       <a:lvl1pPr algn="r" defTabSz="914400" rtl="0" eaLnBrk="1" latinLnBrk="0" hangingPunct="1">
@@ -12051,9 +12184,9 @@
             </a:lvl1pPr>
           </a:lstStyle>
           <a:p>
-            <a:fld id="{60472F8C-DED8-4355-B6B4-3C9DFAD24F86}" type="datetime1">
+            <a:fld id="{5B5C616A-C141-4933-A34B-F1CCCBC47195}" type="datetime1">
               <a:rPr lang="fr-FR" smtClean="0"/>
-              <a:t>31/07/2019</a:t>
+              <a:t>05/08/2019</a:t>
             </a:fld>
             <a:endParaRPr lang="fr-FR"/>
           </a:p>
@@ -12131,7 +12264,7 @@
           <a:p>
             <a:fld id="{22EBEF4F-4056-4A7E-9612-F3E8B502E28B}" type="slidenum">
               <a:rPr lang="fr-FR" smtClean="0"/>
-              <a:t>‹N°›</a:t>
+              <a:t>‹#›</a:t>
             </a:fld>
             <a:endParaRPr lang="fr-FR"/>
           </a:p>
@@ -12574,11 +12707,11 @@
             </a:r>
             <a:r>
               <a:rPr lang="fr-FR" dirty="0"/>
-              <a:t>Corentin </a:t>
+              <a:t>Walid </a:t>
             </a:r>
             <a:r>
               <a:rPr lang="fr-FR" cap="small" dirty="0"/>
-              <a:t>Martel</a:t>
+              <a:t>Ayadi</a:t>
             </a:r>
           </a:p>
         </p:txBody>
@@ -12798,6 +12931,15 @@
               <a:defRPr/>
             </a:pPr>
             <a:r>
+              <a:rPr lang="en-GB" sz="2400" b="1" dirty="0">
+                <a:solidFill>
+                  <a:prstClr val="black"/>
+                </a:solidFill>
+                <a:latin typeface="Century Gothic" panose="020B0502020202020204"/>
+              </a:rPr>
+              <a:t>2</a:t>
+            </a:r>
+            <a:r>
               <a:rPr kumimoji="0" lang="en-GB" sz="2400" b="1" i="0" u="none" strike="noStrike" kern="1200" cap="none" spc="0" normalizeH="0" baseline="0" noProof="0" dirty="0">
                 <a:ln>
                   <a:noFill/>
@@ -12812,7 +12954,7 @@
                 <a:ea typeface="+mn-ea"/>
                 <a:cs typeface="+mn-cs"/>
               </a:rPr>
-              <a:t>01 </a:t>
+              <a:t> </a:t>
             </a:r>
             <a:r>
               <a:rPr kumimoji="0" lang="en-GB" sz="2400" b="1" i="0" u="none" strike="noStrike" kern="1200" cap="none" spc="0" normalizeH="0" baseline="0" noProof="0" dirty="0" err="1">
@@ -12829,7 +12971,7 @@
                 <a:ea typeface="+mn-ea"/>
                 <a:cs typeface="+mn-cs"/>
               </a:rPr>
-              <a:t>juillet</a:t>
+              <a:t>août</a:t>
             </a:r>
             <a:r>
               <a:rPr kumimoji="0" lang="en-GB" sz="2400" b="1" i="0" u="none" strike="noStrike" kern="1200" cap="none" spc="0" normalizeH="0" baseline="0" noProof="0" dirty="0">
@@ -12900,7 +13042,7 @@
           <p:cNvPr id="2" name="Titre 1">
             <a:extLst>
               <a:ext uri="{FF2B5EF4-FFF2-40B4-BE49-F238E27FC236}">
-                <a16:creationId xmlns:a16="http://schemas.microsoft.com/office/drawing/2014/main" id="{96885828-B058-4F14-80D3-515FB1B2EA26}"/>
+                <a16:creationId xmlns:a16="http://schemas.microsoft.com/office/drawing/2014/main" id="{7850C025-007E-4FA0-BD5D-262373463563}"/>
               </a:ext>
             </a:extLst>
           </p:cNvPr>
@@ -12917,32 +13059,18 @@
           <a:lstStyle/>
           <a:p>
             <a:r>
-              <a:rPr lang="fr-FR" b="1" dirty="0"/>
-              <a:t>Partie 4 :</a:t>
-            </a:r>
-            <a:br>
-              <a:rPr lang="fr-FR" b="1" dirty="0"/>
-            </a:br>
-            <a:r>
               <a:rPr lang="fr-FR" dirty="0"/>
-              <a:t>Présentation des </a:t>
-            </a:r>
-            <a:br>
-              <a:rPr lang="fr-FR" dirty="0"/>
-            </a:br>
-            <a:r>
-              <a:rPr lang="fr-FR" dirty="0"/>
-              <a:t>faits pertinents pour l’application</a:t>
-            </a:r>
-          </a:p>
-        </p:txBody>
-      </p:sp>
-      <p:sp>
-        <p:nvSpPr>
-          <p:cNvPr id="3" name="Espace réservé du texte 2">
+              <a:t>Problématiques</a:t>
+            </a:r>
+          </a:p>
+        </p:txBody>
+      </p:sp>
+      <p:sp>
+        <p:nvSpPr>
+          <p:cNvPr id="3" name="Espace réservé du contenu 2">
             <a:extLst>
               <a:ext uri="{FF2B5EF4-FFF2-40B4-BE49-F238E27FC236}">
-                <a16:creationId xmlns:a16="http://schemas.microsoft.com/office/drawing/2014/main" id="{C1CD7A5C-6044-4F77-841E-E28AF461363D}"/>
+                <a16:creationId xmlns:a16="http://schemas.microsoft.com/office/drawing/2014/main" id="{46474F09-B1B9-454A-9F56-5CA66AE284CF}"/>
               </a:ext>
             </a:extLst>
           </p:cNvPr>
@@ -12950,103 +13078,226 @@
             <a:spLocks noGrp="1"/>
           </p:cNvSpPr>
           <p:nvPr>
-            <p:ph type="body" idx="1"/>
-          </p:nvPr>
-        </p:nvSpPr>
-        <p:spPr/>
-        <p:txBody>
-          <a:bodyPr/>
+            <p:ph idx="1"/>
+          </p:nvPr>
+        </p:nvSpPr>
+        <p:spPr>
+          <a:xfrm>
+            <a:off x="685800" y="1837678"/>
+            <a:ext cx="10820400" cy="4873840"/>
+          </a:xfrm>
+        </p:spPr>
+        <p:txBody>
+          <a:bodyPr>
+            <a:normAutofit fontScale="92500" lnSpcReduction="20000"/>
+          </a:bodyPr>
           <a:lstStyle/>
           <a:p>
-            <a:br>
+            <a:pPr marL="457200" indent="-457200">
+              <a:buAutoNum type="arabicParenR"/>
+            </a:pPr>
+            <a:r>
               <a:rPr lang="fr-FR" dirty="0"/>
-            </a:br>
+              <a:t>Quelles sont les principales </a:t>
+            </a:r>
+            <a:r>
+              <a:rPr lang="fr-FR" b="1" dirty="0"/>
+              <a:t>variables corrélées </a:t>
+            </a:r>
+            <a:r>
+              <a:rPr lang="fr-FR" dirty="0"/>
+              <a:t>au Nutri-Score ?</a:t>
+            </a:r>
+          </a:p>
+          <a:p>
+            <a:pPr marL="0" indent="0">
+              <a:buNone/>
+            </a:pPr>
             <a:endParaRPr lang="fr-FR" dirty="0"/>
           </a:p>
-        </p:txBody>
-      </p:sp>
-      <p:pic>
-        <p:nvPicPr>
-          <p:cNvPr id="4" name="Picture 2" descr="L'agence Santé publique France">
-            <a:hlinkClick r:id="rId2"/>
+          <a:p>
+            <a:pPr lvl="1">
+              <a:buFont typeface="Symbol" panose="05050102010706020507" pitchFamily="18" charset="2"/>
+              <a:buChar char="Þ"/>
+            </a:pPr>
+            <a:r>
+              <a:rPr lang="fr-FR" dirty="0"/>
+              <a:t> afin d’informer l’utilisateur des points positifs et négatifs</a:t>
+            </a:r>
+          </a:p>
+          <a:p>
+            <a:pPr lvl="1">
+              <a:buFont typeface="Symbol" panose="05050102010706020507" pitchFamily="18" charset="2"/>
+              <a:buChar char="Þ"/>
+            </a:pPr>
+            <a:r>
+              <a:rPr lang="fr-FR" dirty="0"/>
+              <a:t> afin de faire de permettre de l’imputation</a:t>
+            </a:r>
+          </a:p>
+          <a:p>
+            <a:pPr lvl="1">
+              <a:buFont typeface="Symbol" panose="05050102010706020507" pitchFamily="18" charset="2"/>
+              <a:buChar char="Þ"/>
+            </a:pPr>
+            <a:r>
+              <a:rPr lang="fr-FR" dirty="0"/>
+              <a:t> afin d’éliminer les variables inutiles</a:t>
+            </a:r>
+          </a:p>
+          <a:p>
+            <a:pPr marL="0" indent="0">
+              <a:buNone/>
+            </a:pPr>
+            <a:endParaRPr lang="fr-FR" dirty="0"/>
+          </a:p>
+          <a:p>
+            <a:pPr marL="457200" indent="-457200">
+              <a:buFont typeface="+mj-lt"/>
+              <a:buAutoNum type="arabicParenR" startAt="2"/>
+            </a:pPr>
+            <a:r>
+              <a:rPr lang="fr-FR" dirty="0"/>
+              <a:t>Peut-on </a:t>
+            </a:r>
+            <a:r>
+              <a:rPr lang="fr-FR" b="1" dirty="0"/>
+              <a:t>imputer</a:t>
+            </a:r>
+            <a:r>
+              <a:rPr lang="fr-FR" dirty="0"/>
+              <a:t> le Nutri-Score ?</a:t>
+            </a:r>
+          </a:p>
+          <a:p>
+            <a:pPr marL="0" indent="0">
+              <a:buNone/>
+            </a:pPr>
+            <a:endParaRPr lang="fr-FR" dirty="0"/>
+          </a:p>
+          <a:p>
+            <a:pPr lvl="1">
+              <a:buFont typeface="Symbol" panose="05050102010706020507" pitchFamily="18" charset="2"/>
+              <a:buChar char="Þ"/>
+            </a:pPr>
+            <a:r>
+              <a:rPr lang="fr-FR" dirty="0"/>
+              <a:t> pour augmenter le nombre de produits pris en charge</a:t>
+            </a:r>
+          </a:p>
+          <a:p>
+            <a:pPr lvl="1">
+              <a:buFont typeface="Symbol" panose="05050102010706020507" pitchFamily="18" charset="2"/>
+              <a:buChar char="Þ"/>
+            </a:pPr>
+            <a:r>
+              <a:rPr lang="fr-FR" dirty="0"/>
+              <a:t> en étant transparent avec l’utilisateur </a:t>
+            </a:r>
+          </a:p>
+          <a:p>
+            <a:pPr marL="0" indent="0">
+              <a:buNone/>
+            </a:pPr>
+            <a:endParaRPr lang="fr-FR" dirty="0"/>
+          </a:p>
+          <a:p>
+            <a:pPr marL="457200" indent="-457200">
+              <a:buFont typeface="+mj-lt"/>
+              <a:buAutoNum type="arabicParenR" startAt="3"/>
+            </a:pPr>
+            <a:r>
+              <a:rPr lang="fr-FR" dirty="0"/>
+              <a:t>Peut-on réduire drastiquement la </a:t>
+            </a:r>
+            <a:r>
+              <a:rPr lang="fr-FR" b="1" dirty="0"/>
+              <a:t>taille de la base </a:t>
+            </a:r>
+            <a:r>
+              <a:rPr lang="fr-FR" dirty="0"/>
+              <a:t>de données ?</a:t>
+            </a:r>
+          </a:p>
+          <a:p>
+            <a:pPr marL="0" indent="0">
+              <a:buNone/>
+            </a:pPr>
+            <a:endParaRPr lang="fr-FR" dirty="0"/>
+          </a:p>
+          <a:p>
+            <a:pPr lvl="1">
+              <a:buFont typeface="Symbol" panose="05050102010706020507" pitchFamily="18" charset="2"/>
+              <a:buChar char="Þ"/>
+            </a:pPr>
+            <a:r>
+              <a:rPr lang="fr-FR" dirty="0"/>
+              <a:t> pour améliorer la « portabilité » de la base de données</a:t>
+            </a:r>
+          </a:p>
+          <a:p>
+            <a:pPr lvl="1">
+              <a:buFont typeface="Symbol" panose="05050102010706020507" pitchFamily="18" charset="2"/>
+              <a:buChar char="Þ"/>
+            </a:pPr>
+            <a:r>
+              <a:rPr lang="fr-FR" dirty="0"/>
+              <a:t> tout en conservant un maximum d’informations</a:t>
+            </a:r>
+          </a:p>
+          <a:p>
+            <a:pPr marL="0" indent="0">
+              <a:buNone/>
+            </a:pPr>
+            <a:endParaRPr lang="fr-FR" dirty="0"/>
+          </a:p>
+          <a:p>
+            <a:pPr marL="0" indent="0">
+              <a:buNone/>
+            </a:pPr>
+            <a:endParaRPr lang="fr-FR" dirty="0"/>
+          </a:p>
+          <a:p>
+            <a:pPr marL="0" indent="0">
+              <a:buNone/>
+            </a:pPr>
+            <a:endParaRPr lang="fr-FR" dirty="0"/>
+          </a:p>
+        </p:txBody>
+      </p:sp>
+      <p:sp>
+        <p:nvSpPr>
+          <p:cNvPr id="4" name="Espace réservé du numéro de diapositive 3">
             <a:extLst>
               <a:ext uri="{FF2B5EF4-FFF2-40B4-BE49-F238E27FC236}">
-                <a16:creationId xmlns:a16="http://schemas.microsoft.com/office/drawing/2014/main" id="{81C279DD-6D21-4CEE-837F-E550D932A41E}"/>
+                <a16:creationId xmlns:a16="http://schemas.microsoft.com/office/drawing/2014/main" id="{9060DAD9-B23C-424D-BF03-523D3C81A70D}"/>
               </a:ext>
             </a:extLst>
           </p:cNvPr>
-          <p:cNvPicPr>
-            <a:picLocks noChangeAspect="1" noChangeArrowheads="1"/>
-          </p:cNvPicPr>
-          <p:nvPr/>
-        </p:nvPicPr>
-        <p:blipFill>
-          <a:blip r:embed="rId3">
-            <a:extLst>
-              <a:ext uri="{28A0092B-C50C-407E-A947-70E740481C1C}">
-                <a14:useLocalDpi xmlns:a14="http://schemas.microsoft.com/office/drawing/2010/main" val="0"/>
-              </a:ext>
-            </a:extLst>
-          </a:blip>
-          <a:srcRect/>
-          <a:stretch>
-            <a:fillRect/>
-          </a:stretch>
-        </p:blipFill>
-        <p:spPr bwMode="auto">
-          <a:xfrm>
-            <a:off x="208547" y="288758"/>
-            <a:ext cx="2766762" cy="1562407"/>
-          </a:xfrm>
-          <a:prstGeom prst="rect">
-            <a:avLst/>
-          </a:prstGeom>
-          <a:noFill/>
-          <a:extLst>
-            <a:ext uri="{909E8E84-426E-40DD-AFC4-6F175D3DCCD1}">
-              <a14:hiddenFill xmlns:a14="http://schemas.microsoft.com/office/drawing/2010/main">
-                <a:solidFill>
-                  <a:srgbClr val="FFFFFF"/>
-                </a:solidFill>
-              </a14:hiddenFill>
-            </a:ext>
-          </a:extLst>
-        </p:spPr>
-      </p:pic>
-      <p:pic>
-        <p:nvPicPr>
-          <p:cNvPr id="5" name="Picture 5">
-            <a:extLst>
-              <a:ext uri="{FF2B5EF4-FFF2-40B4-BE49-F238E27FC236}">
-                <a16:creationId xmlns:a16="http://schemas.microsoft.com/office/drawing/2014/main" id="{6882FADE-58D9-4D93-8177-07668C3CBC89}"/>
-              </a:ext>
-            </a:extLst>
-          </p:cNvPr>
-          <p:cNvPicPr>
-            <a:picLocks noChangeAspect="1"/>
-          </p:cNvPicPr>
-          <p:nvPr/>
-        </p:nvPicPr>
-        <p:blipFill>
-          <a:blip r:embed="rId4"/>
-          <a:stretch>
-            <a:fillRect/>
-          </a:stretch>
-        </p:blipFill>
-        <p:spPr>
-          <a:xfrm>
-            <a:off x="7829032" y="58289"/>
-            <a:ext cx="4362968" cy="1639229"/>
-          </a:xfrm>
-          <a:prstGeom prst="rect">
-            <a:avLst/>
-          </a:prstGeom>
-        </p:spPr>
-      </p:pic>
+          <p:cNvSpPr>
+            <a:spLocks noGrp="1"/>
+          </p:cNvSpPr>
+          <p:nvPr>
+            <p:ph type="sldNum" sz="quarter" idx="12"/>
+          </p:nvPr>
+        </p:nvSpPr>
+        <p:spPr/>
+        <p:txBody>
+          <a:bodyPr/>
+          <a:lstStyle/>
+          <a:p>
+            <a:fld id="{22EBEF4F-4056-4A7E-9612-F3E8B502E28B}" type="slidenum">
+              <a:rPr lang="fr-FR" smtClean="0"/>
+              <a:t>10</a:t>
+            </a:fld>
+            <a:endParaRPr lang="fr-FR"/>
+          </a:p>
+        </p:txBody>
+      </p:sp>
     </p:spTree>
     <p:extLst>
       <p:ext uri="{BB962C8B-B14F-4D97-AF65-F5344CB8AC3E}">
-        <p14:creationId xmlns:p14="http://schemas.microsoft.com/office/powerpoint/2010/main" val="639279893"/>
+        <p14:creationId xmlns:p14="http://schemas.microsoft.com/office/powerpoint/2010/main" val="4229974391"/>
       </p:ext>
     </p:extLst>
   </p:cSld>
@@ -13078,7 +13329,7 @@
           <p:cNvPr id="2" name="Titre 1">
             <a:extLst>
               <a:ext uri="{FF2B5EF4-FFF2-40B4-BE49-F238E27FC236}">
-                <a16:creationId xmlns:a16="http://schemas.microsoft.com/office/drawing/2014/main" id="{8484DD3D-163C-48C0-B971-F4330D5AF85C}"/>
+                <a16:creationId xmlns:a16="http://schemas.microsoft.com/office/drawing/2014/main" id="{96885828-B058-4F14-80D3-515FB1B2EA26}"/>
               </a:ext>
             </a:extLst>
           </p:cNvPr>
@@ -13091,42 +13342,8 @@
         </p:nvSpPr>
         <p:spPr>
           <a:xfrm>
-            <a:off x="2895600" y="537411"/>
-            <a:ext cx="8610600" cy="1293028"/>
-          </a:xfrm>
-        </p:spPr>
-        <p:txBody>
-          <a:bodyPr/>
-          <a:lstStyle/>
-          <a:p>
-            <a:r>
-              <a:rPr lang="fr-FR" b="1" dirty="0"/>
-              <a:t>Conclusions</a:t>
-            </a:r>
-            <a:endParaRPr lang="fr-FR" dirty="0"/>
-          </a:p>
-        </p:txBody>
-      </p:sp>
-      <p:sp>
-        <p:nvSpPr>
-          <p:cNvPr id="3" name="Espace réservé du contenu 2">
-            <a:extLst>
-              <a:ext uri="{FF2B5EF4-FFF2-40B4-BE49-F238E27FC236}">
-                <a16:creationId xmlns:a16="http://schemas.microsoft.com/office/drawing/2014/main" id="{9D04824F-670C-478E-B97F-289EF20F17A0}"/>
-              </a:ext>
-            </a:extLst>
-          </p:cNvPr>
-          <p:cNvSpPr>
-            <a:spLocks noGrp="1"/>
-          </p:cNvSpPr>
-          <p:nvPr>
-            <p:ph idx="1"/>
-          </p:nvPr>
-        </p:nvSpPr>
-        <p:spPr>
-          <a:xfrm>
-            <a:off x="1347536" y="1507958"/>
-            <a:ext cx="10158663" cy="4957010"/>
+            <a:off x="694268" y="1317627"/>
+            <a:ext cx="10820399" cy="2801935"/>
           </a:xfrm>
         </p:spPr>
         <p:txBody>
@@ -13136,92 +13353,188 @@
           <a:lstStyle/>
           <a:p>
             <a:r>
+              <a:rPr lang="fr-FR" sz="2400" b="1" dirty="0"/>
+              <a:t>Partie 2 : </a:t>
+            </a:r>
+            <a:r>
+              <a:rPr lang="fr-FR" sz="2400" dirty="0"/>
+              <a:t>Présentation du nettoyage effectué</a:t>
+            </a:r>
+            <a:br>
+              <a:rPr lang="fr-FR" sz="2400" dirty="0"/>
+            </a:br>
+            <a:br>
+              <a:rPr lang="fr-FR" sz="2400" dirty="0"/>
+            </a:br>
+            <a:r>
+              <a:rPr lang="fr-FR" sz="2400" b="1" dirty="0"/>
+              <a:t>Partie 3 : </a:t>
+            </a:r>
+            <a:r>
+              <a:rPr lang="fr-FR" sz="2400" dirty="0"/>
+              <a:t>Présentation de  l’analyse exploratoire</a:t>
+            </a:r>
+            <a:br>
+              <a:rPr lang="fr-FR" sz="2400" dirty="0"/>
+            </a:br>
+            <a:br>
+              <a:rPr lang="fr-FR" sz="2400" dirty="0"/>
+            </a:br>
+            <a:r>
+              <a:rPr lang="fr-FR" sz="2400" b="1" dirty="0"/>
+              <a:t>Partie 4 : </a:t>
+            </a:r>
+            <a:r>
+              <a:rPr lang="fr-FR" sz="2400" dirty="0"/>
+              <a:t>Présentation des faits pertinents pour l’application</a:t>
+            </a:r>
+          </a:p>
+        </p:txBody>
+      </p:sp>
+      <p:sp>
+        <p:nvSpPr>
+          <p:cNvPr id="3" name="Espace réservé du texte 2">
+            <a:extLst>
+              <a:ext uri="{FF2B5EF4-FFF2-40B4-BE49-F238E27FC236}">
+                <a16:creationId xmlns:a16="http://schemas.microsoft.com/office/drawing/2014/main" id="{C1CD7A5C-6044-4F77-841E-E28AF461363D}"/>
+              </a:ext>
+            </a:extLst>
+          </p:cNvPr>
+          <p:cNvSpPr>
+            <a:spLocks noGrp="1"/>
+          </p:cNvSpPr>
+          <p:nvPr>
+            <p:ph type="body" idx="1"/>
+          </p:nvPr>
+        </p:nvSpPr>
+        <p:spPr/>
+        <p:txBody>
+          <a:bodyPr/>
+          <a:lstStyle/>
+          <a:p>
+            <a:br>
               <a:rPr lang="fr-FR" dirty="0"/>
-              <a:t>Facteurs principaux du Nutri-Score retrouvés</a:t>
-            </a:r>
-          </a:p>
-          <a:p>
+            </a:br>
             <a:endParaRPr lang="fr-FR" dirty="0"/>
           </a:p>
-          <a:p>
-            <a:r>
-              <a:rPr lang="fr-FR" dirty="0"/>
-              <a:t>Poids de la base de données finale : </a:t>
-            </a:r>
-            <a:r>
-              <a:rPr lang="fr-FR" b="1" dirty="0"/>
-              <a:t>moins de 20 Mo</a:t>
-            </a:r>
-          </a:p>
-          <a:p>
-            <a:r>
-              <a:rPr lang="fr-FR" dirty="0"/>
-              <a:t>Allégements possibles :</a:t>
-            </a:r>
-          </a:p>
-          <a:p>
-            <a:pPr lvl="1"/>
-            <a:r>
-              <a:rPr lang="fr-FR" dirty="0"/>
-              <a:t>avec un fichier binaire ou un fichier compressé</a:t>
-            </a:r>
-          </a:p>
-          <a:p>
-            <a:pPr lvl="1"/>
-            <a:r>
-              <a:rPr lang="fr-FR" dirty="0"/>
-              <a:t>en stockant uniquement la note Nutri-Score (a-e) au lieu du score</a:t>
-            </a:r>
-          </a:p>
-          <a:p>
-            <a:pPr marL="0" indent="0">
-              <a:buNone/>
-            </a:pPr>
-            <a:endParaRPr lang="fr-FR" dirty="0"/>
-          </a:p>
-          <a:p>
-            <a:r>
-              <a:rPr lang="fr-FR" dirty="0"/>
-              <a:t>Nombre de produits : </a:t>
-            </a:r>
-            <a:r>
-              <a:rPr lang="fr-FR" b="1" dirty="0"/>
-              <a:t>plus de 300'000 produits</a:t>
-            </a:r>
-          </a:p>
-          <a:p>
-            <a:r>
-              <a:rPr lang="fr-FR" dirty="0"/>
-              <a:t>Augmentations possibles :</a:t>
-            </a:r>
-          </a:p>
-          <a:p>
-            <a:pPr lvl="1"/>
-            <a:r>
-              <a:rPr lang="fr-FR" dirty="0"/>
-              <a:t>Prise en charge des code-barres EAN à 8 chiffres</a:t>
-            </a:r>
-          </a:p>
-          <a:p>
-            <a:pPr lvl="1"/>
-            <a:r>
-              <a:rPr lang="fr-FR" dirty="0"/>
-              <a:t>Imputation Nutri-Score sur la base de la formule (composition)</a:t>
-            </a:r>
-          </a:p>
-          <a:p>
-            <a:pPr lvl="1"/>
-            <a:r>
-              <a:rPr lang="fr-FR" dirty="0"/>
-              <a:t>Imputation de Nutri-Score grâce à un modèle de ML</a:t>
-            </a:r>
+        </p:txBody>
+      </p:sp>
+      <p:pic>
+        <p:nvPicPr>
+          <p:cNvPr id="4" name="Picture 2" descr="L'agence Santé publique France">
+            <a:hlinkClick r:id="rId2"/>
+            <a:extLst>
+              <a:ext uri="{FF2B5EF4-FFF2-40B4-BE49-F238E27FC236}">
+                <a16:creationId xmlns:a16="http://schemas.microsoft.com/office/drawing/2014/main" id="{28EC06FB-BF48-4CD2-A6E6-66BE8363898D}"/>
+              </a:ext>
+            </a:extLst>
+          </p:cNvPr>
+          <p:cNvPicPr>
+            <a:picLocks noChangeAspect="1" noChangeArrowheads="1"/>
+          </p:cNvPicPr>
+          <p:nvPr/>
+        </p:nvPicPr>
+        <p:blipFill>
+          <a:blip r:embed="rId3">
+            <a:extLst>
+              <a:ext uri="{28A0092B-C50C-407E-A947-70E740481C1C}">
+                <a14:useLocalDpi xmlns:a14="http://schemas.microsoft.com/office/drawing/2010/main" val="0"/>
+              </a:ext>
+            </a:extLst>
+          </a:blip>
+          <a:srcRect/>
+          <a:stretch>
+            <a:fillRect/>
+          </a:stretch>
+        </p:blipFill>
+        <p:spPr bwMode="auto">
+          <a:xfrm>
+            <a:off x="208547" y="288758"/>
+            <a:ext cx="2766762" cy="1562407"/>
+          </a:xfrm>
+          <a:prstGeom prst="rect">
+            <a:avLst/>
+          </a:prstGeom>
+          <a:noFill/>
+          <a:extLst>
+            <a:ext uri="{909E8E84-426E-40DD-AFC4-6F175D3DCCD1}">
+              <a14:hiddenFill xmlns:a14="http://schemas.microsoft.com/office/drawing/2010/main">
+                <a:solidFill>
+                  <a:srgbClr val="FFFFFF"/>
+                </a:solidFill>
+              </a14:hiddenFill>
+            </a:ext>
+          </a:extLst>
+        </p:spPr>
+      </p:pic>
+      <p:pic>
+        <p:nvPicPr>
+          <p:cNvPr id="6" name="Picture 5">
+            <a:extLst>
+              <a:ext uri="{FF2B5EF4-FFF2-40B4-BE49-F238E27FC236}">
+                <a16:creationId xmlns:a16="http://schemas.microsoft.com/office/drawing/2014/main" id="{1153AC97-1F0F-4DCC-9CF8-A5C9BD953179}"/>
+              </a:ext>
+            </a:extLst>
+          </p:cNvPr>
+          <p:cNvPicPr>
+            <a:picLocks noChangeAspect="1"/>
+          </p:cNvPicPr>
+          <p:nvPr/>
+        </p:nvPicPr>
+        <p:blipFill>
+          <a:blip r:embed="rId4"/>
+          <a:stretch>
+            <a:fillRect/>
+          </a:stretch>
+        </p:blipFill>
+        <p:spPr>
+          <a:xfrm>
+            <a:off x="7829032" y="58289"/>
+            <a:ext cx="4362968" cy="1639229"/>
+          </a:xfrm>
+          <a:prstGeom prst="rect">
+            <a:avLst/>
+          </a:prstGeom>
+        </p:spPr>
+      </p:pic>
+      <p:sp>
+        <p:nvSpPr>
+          <p:cNvPr id="7" name="Espace réservé du numéro de diapositive 2">
+            <a:extLst>
+              <a:ext uri="{FF2B5EF4-FFF2-40B4-BE49-F238E27FC236}">
+                <a16:creationId xmlns:a16="http://schemas.microsoft.com/office/drawing/2014/main" id="{8606EA2F-E9B4-4C87-83C3-46F31FE9182D}"/>
+              </a:ext>
+            </a:extLst>
+          </p:cNvPr>
+          <p:cNvSpPr>
+            <a:spLocks noGrp="1"/>
+          </p:cNvSpPr>
+          <p:nvPr>
+            <p:ph type="sldNum" sz="quarter" idx="12"/>
+          </p:nvPr>
+        </p:nvSpPr>
+        <p:spPr>
+          <a:xfrm>
+            <a:off x="11412867" y="165878"/>
+            <a:ext cx="643748" cy="365125"/>
+          </a:xfrm>
+        </p:spPr>
+        <p:txBody>
+          <a:bodyPr/>
+          <a:lstStyle/>
+          <a:p>
+            <a:fld id="{22EBEF4F-4056-4A7E-9612-F3E8B502E28B}" type="slidenum">
+              <a:rPr lang="fr-FR" sz="1600" b="1" smtClean="0"/>
+              <a:t>11</a:t>
+            </a:fld>
+            <a:endParaRPr lang="fr-FR" sz="1600" b="1" dirty="0"/>
           </a:p>
         </p:txBody>
       </p:sp>
     </p:spTree>
     <p:extLst>
       <p:ext uri="{BB962C8B-B14F-4D97-AF65-F5344CB8AC3E}">
-        <p14:creationId xmlns:p14="http://schemas.microsoft.com/office/powerpoint/2010/main" val="3885582004"/>
+        <p14:creationId xmlns:p14="http://schemas.microsoft.com/office/powerpoint/2010/main" val="3031979299"/>
       </p:ext>
     </p:extLst>
   </p:cSld>
@@ -13232,120 +13545,6 @@
 </file>
 
 <file path=ppt/slides/slide12.xml><?xml version="1.0" encoding="utf-8"?>
-<p:sld xmlns:a="http://schemas.openxmlformats.org/drawingml/2006/main" xmlns:r="http://schemas.openxmlformats.org/officeDocument/2006/relationships" xmlns:p="http://schemas.openxmlformats.org/presentationml/2006/main">
-  <p:cSld>
-    <p:spTree>
-      <p:nvGrpSpPr>
-        <p:cNvPr id="1" name=""/>
-        <p:cNvGrpSpPr/>
-        <p:nvPr/>
-      </p:nvGrpSpPr>
-      <p:grpSpPr>
-        <a:xfrm>
-          <a:off x="0" y="0"/>
-          <a:ext cx="0" cy="0"/>
-          <a:chOff x="0" y="0"/>
-          <a:chExt cx="0" cy="0"/>
-        </a:xfrm>
-      </p:grpSpPr>
-      <p:sp>
-        <p:nvSpPr>
-          <p:cNvPr id="2" name="Titre 1">
-            <a:extLst>
-              <a:ext uri="{FF2B5EF4-FFF2-40B4-BE49-F238E27FC236}">
-                <a16:creationId xmlns:a16="http://schemas.microsoft.com/office/drawing/2014/main" id="{8484DD3D-163C-48C0-B971-F4330D5AF85C}"/>
-              </a:ext>
-            </a:extLst>
-          </p:cNvPr>
-          <p:cNvSpPr>
-            <a:spLocks noGrp="1"/>
-          </p:cNvSpPr>
-          <p:nvPr>
-            <p:ph type="title"/>
-          </p:nvPr>
-        </p:nvSpPr>
-        <p:spPr/>
-        <p:txBody>
-          <a:bodyPr/>
-          <a:lstStyle/>
-          <a:p>
-            <a:r>
-              <a:rPr lang="fr-FR" b="1" dirty="0"/>
-              <a:t>POUR ALLER PLUS LOIN…</a:t>
-            </a:r>
-            <a:endParaRPr lang="fr-FR" dirty="0"/>
-          </a:p>
-        </p:txBody>
-      </p:sp>
-      <p:sp>
-        <p:nvSpPr>
-          <p:cNvPr id="3" name="Espace réservé du contenu 2">
-            <a:extLst>
-              <a:ext uri="{FF2B5EF4-FFF2-40B4-BE49-F238E27FC236}">
-                <a16:creationId xmlns:a16="http://schemas.microsoft.com/office/drawing/2014/main" id="{9D04824F-670C-478E-B97F-289EF20F17A0}"/>
-              </a:ext>
-            </a:extLst>
-          </p:cNvPr>
-          <p:cNvSpPr>
-            <a:spLocks noGrp="1"/>
-          </p:cNvSpPr>
-          <p:nvPr>
-            <p:ph idx="1"/>
-          </p:nvPr>
-        </p:nvSpPr>
-        <p:spPr/>
-        <p:txBody>
-          <a:bodyPr/>
-          <a:lstStyle/>
-          <a:p>
-            <a:endParaRPr lang="fr-FR" dirty="0"/>
-          </a:p>
-          <a:p>
-            <a:r>
-              <a:rPr lang="fr-FR" dirty="0"/>
-              <a:t>Correction des valeurs hors-normes sur la base des photos</a:t>
-            </a:r>
-          </a:p>
-          <a:p>
-            <a:r>
-              <a:rPr lang="fr-FR" dirty="0"/>
-              <a:t>)</a:t>
-            </a:r>
-          </a:p>
-          <a:p>
-            <a:r>
-              <a:rPr lang="fr-FR" dirty="0"/>
-              <a:t>Modèle de </a:t>
-            </a:r>
-            <a:r>
-              <a:rPr lang="fr-FR" i="1" dirty="0"/>
-              <a:t>machine </a:t>
-            </a:r>
-            <a:r>
-              <a:rPr lang="fr-FR" i="1" dirty="0" err="1"/>
-              <a:t>learning</a:t>
-            </a:r>
-            <a:r>
-              <a:rPr lang="fr-FR" dirty="0"/>
-              <a:t> (ML) pour l'imputation des Nutri-Scores</a:t>
-            </a:r>
-          </a:p>
-        </p:txBody>
-      </p:sp>
-    </p:spTree>
-    <p:extLst>
-      <p:ext uri="{BB962C8B-B14F-4D97-AF65-F5344CB8AC3E}">
-        <p14:creationId xmlns:p14="http://schemas.microsoft.com/office/powerpoint/2010/main" val="3597435836"/>
-      </p:ext>
-    </p:extLst>
-  </p:cSld>
-  <p:clrMapOvr>
-    <a:masterClrMapping/>
-  </p:clrMapOvr>
-</p:sld>
-</file>
-
-<file path=ppt/slides/slide13.xml><?xml version="1.0" encoding="utf-8"?>
 <p:sld xmlns:a="http://schemas.openxmlformats.org/drawingml/2006/main" xmlns:r="http://schemas.openxmlformats.org/officeDocument/2006/relationships" xmlns:p="http://schemas.openxmlformats.org/presentationml/2006/main">
   <p:cSld>
     <p:spTree>
@@ -13450,6 +13649,138 @@
           </a:extLst>
         </p:spPr>
       </p:pic>
+      <p:sp>
+        <p:nvSpPr>
+          <p:cNvPr id="5" name="Espace réservé du numéro de diapositive 2">
+            <a:extLst>
+              <a:ext uri="{FF2B5EF4-FFF2-40B4-BE49-F238E27FC236}">
+                <a16:creationId xmlns:a16="http://schemas.microsoft.com/office/drawing/2014/main" id="{75B687DA-E829-4436-98F8-FF693735BCC6}"/>
+              </a:ext>
+            </a:extLst>
+          </p:cNvPr>
+          <p:cNvSpPr txBox="1">
+            <a:spLocks/>
+          </p:cNvSpPr>
+          <p:nvPr/>
+        </p:nvSpPr>
+        <p:spPr>
+          <a:xfrm>
+            <a:off x="11412867" y="165878"/>
+            <a:ext cx="643748" cy="365125"/>
+          </a:xfrm>
+          <a:prstGeom prst="rect">
+            <a:avLst/>
+          </a:prstGeom>
+        </p:spPr>
+        <p:txBody>
+          <a:bodyPr vert="horz" lIns="91440" tIns="45720" rIns="91440" bIns="45720" rtlCol="0" anchor="ctr"/>
+          <a:lstStyle>
+            <a:defPPr>
+              <a:defRPr lang="en-US"/>
+            </a:defPPr>
+            <a:lvl1pPr marL="0" algn="r" defTabSz="457200" rtl="0" eaLnBrk="1" latinLnBrk="0" hangingPunct="1">
+              <a:defRPr sz="1050" kern="1200">
+                <a:solidFill>
+                  <a:schemeClr val="tx1">
+                    <a:tint val="75000"/>
+                  </a:schemeClr>
+                </a:solidFill>
+                <a:latin typeface="+mn-lt"/>
+                <a:ea typeface="+mn-ea"/>
+                <a:cs typeface="+mn-cs"/>
+              </a:defRPr>
+            </a:lvl1pPr>
+            <a:lvl2pPr marL="457200" algn="l" defTabSz="457200" rtl="0" eaLnBrk="1" latinLnBrk="0" hangingPunct="1">
+              <a:defRPr sz="1800" kern="1200">
+                <a:solidFill>
+                  <a:schemeClr val="tx1"/>
+                </a:solidFill>
+                <a:latin typeface="+mn-lt"/>
+                <a:ea typeface="+mn-ea"/>
+                <a:cs typeface="+mn-cs"/>
+              </a:defRPr>
+            </a:lvl2pPr>
+            <a:lvl3pPr marL="914400" algn="l" defTabSz="457200" rtl="0" eaLnBrk="1" latinLnBrk="0" hangingPunct="1">
+              <a:defRPr sz="1800" kern="1200">
+                <a:solidFill>
+                  <a:schemeClr val="tx1"/>
+                </a:solidFill>
+                <a:latin typeface="+mn-lt"/>
+                <a:ea typeface="+mn-ea"/>
+                <a:cs typeface="+mn-cs"/>
+              </a:defRPr>
+            </a:lvl3pPr>
+            <a:lvl4pPr marL="1371600" algn="l" defTabSz="457200" rtl="0" eaLnBrk="1" latinLnBrk="0" hangingPunct="1">
+              <a:defRPr sz="1800" kern="1200">
+                <a:solidFill>
+                  <a:schemeClr val="tx1"/>
+                </a:solidFill>
+                <a:latin typeface="+mn-lt"/>
+                <a:ea typeface="+mn-ea"/>
+                <a:cs typeface="+mn-cs"/>
+              </a:defRPr>
+            </a:lvl4pPr>
+            <a:lvl5pPr marL="1828800" algn="l" defTabSz="457200" rtl="0" eaLnBrk="1" latinLnBrk="0" hangingPunct="1">
+              <a:defRPr sz="1800" kern="1200">
+                <a:solidFill>
+                  <a:schemeClr val="tx1"/>
+                </a:solidFill>
+                <a:latin typeface="+mn-lt"/>
+                <a:ea typeface="+mn-ea"/>
+                <a:cs typeface="+mn-cs"/>
+              </a:defRPr>
+            </a:lvl5pPr>
+            <a:lvl6pPr marL="2286000" algn="l" defTabSz="457200" rtl="0" eaLnBrk="1" latinLnBrk="0" hangingPunct="1">
+              <a:defRPr sz="1800" kern="1200">
+                <a:solidFill>
+                  <a:schemeClr val="tx1"/>
+                </a:solidFill>
+                <a:latin typeface="+mn-lt"/>
+                <a:ea typeface="+mn-ea"/>
+                <a:cs typeface="+mn-cs"/>
+              </a:defRPr>
+            </a:lvl6pPr>
+            <a:lvl7pPr marL="2743200" algn="l" defTabSz="457200" rtl="0" eaLnBrk="1" latinLnBrk="0" hangingPunct="1">
+              <a:defRPr sz="1800" kern="1200">
+                <a:solidFill>
+                  <a:schemeClr val="tx1"/>
+                </a:solidFill>
+                <a:latin typeface="+mn-lt"/>
+                <a:ea typeface="+mn-ea"/>
+                <a:cs typeface="+mn-cs"/>
+              </a:defRPr>
+            </a:lvl7pPr>
+            <a:lvl8pPr marL="3200400" algn="l" defTabSz="457200" rtl="0" eaLnBrk="1" latinLnBrk="0" hangingPunct="1">
+              <a:defRPr sz="1800" kern="1200">
+                <a:solidFill>
+                  <a:schemeClr val="tx1"/>
+                </a:solidFill>
+                <a:latin typeface="+mn-lt"/>
+                <a:ea typeface="+mn-ea"/>
+                <a:cs typeface="+mn-cs"/>
+              </a:defRPr>
+            </a:lvl8pPr>
+            <a:lvl9pPr marL="3657600" algn="l" defTabSz="457200" rtl="0" eaLnBrk="1" latinLnBrk="0" hangingPunct="1">
+              <a:defRPr sz="1800" kern="1200">
+                <a:solidFill>
+                  <a:schemeClr val="tx1"/>
+                </a:solidFill>
+                <a:latin typeface="+mn-lt"/>
+                <a:ea typeface="+mn-ea"/>
+                <a:cs typeface="+mn-cs"/>
+              </a:defRPr>
+            </a:lvl9pPr>
+          </a:lstStyle>
+          <a:p>
+            <a:fld id="{22EBEF4F-4056-4A7E-9612-F3E8B502E28B}" type="slidenum">
+              <a:rPr lang="fr-FR" sz="1600" b="1" smtClean="0"/>
+              <a:pPr/>
+              <a:t>12</a:t>
+            </a:fld>
+            <a:endParaRPr lang="fr-FR" sz="1600" b="1" dirty="0"/>
+          </a:p>
+        </p:txBody>
+      </p:sp>
     </p:spTree>
     <p:extLst>
       <p:ext uri="{BB962C8B-B14F-4D97-AF65-F5344CB8AC3E}">
@@ -13463,7 +13794,7 @@
 </p:sld>
 </file>
 
-<file path=ppt/slides/slide14.xml><?xml version="1.0" encoding="utf-8"?>
+<file path=ppt/slides/slide13.xml><?xml version="1.0" encoding="utf-8"?>
 <p:sld xmlns:a="http://schemas.openxmlformats.org/drawingml/2006/main" xmlns:r="http://schemas.openxmlformats.org/officeDocument/2006/relationships" xmlns:p="http://schemas.openxmlformats.org/presentationml/2006/main">
   <p:cSld>
     <p:spTree>
@@ -13502,38 +13833,13 @@
           <a:lstStyle/>
           <a:p>
             <a:r>
+              <a:rPr lang="en-GB" b="1" dirty="0"/>
+              <a:t>MERCI</a:t>
+            </a:r>
+            <a:r>
               <a:rPr lang="en-GB" dirty="0"/>
-              <a:t>MERCI DE VOTRE ATTENTION</a:t>
-            </a:r>
-          </a:p>
-        </p:txBody>
-      </p:sp>
-      <p:sp>
-        <p:nvSpPr>
-          <p:cNvPr id="4" name="Slide Number Placeholder 3">
-            <a:extLst>
-              <a:ext uri="{FF2B5EF4-FFF2-40B4-BE49-F238E27FC236}">
-                <a16:creationId xmlns:a16="http://schemas.microsoft.com/office/drawing/2014/main" id="{F18D4CBE-9ECE-4A81-AA55-0ACFCF7B8E8F}"/>
-              </a:ext>
-            </a:extLst>
-          </p:cNvPr>
-          <p:cNvSpPr>
-            <a:spLocks noGrp="1"/>
-          </p:cNvSpPr>
-          <p:nvPr>
-            <p:ph type="sldNum" sz="quarter" idx="12"/>
-          </p:nvPr>
-        </p:nvSpPr>
-        <p:spPr/>
-        <p:txBody>
-          <a:bodyPr/>
-          <a:lstStyle/>
-          <a:p>
-            <a:fld id="{22EBEF4F-4056-4A7E-9612-F3E8B502E28B}" type="slidenum">
-              <a:rPr lang="fr-FR" smtClean="0"/>
-              <a:t>14</a:t>
-            </a:fld>
-            <a:endParaRPr lang="fr-FR"/>
+              <a:t> DE VOTRE ATTENTION</a:t>
+            </a:r>
           </a:p>
         </p:txBody>
       </p:sp>
@@ -13585,6 +13891,138 @@
           </a:extLst>
         </p:spPr>
       </p:pic>
+      <p:sp>
+        <p:nvSpPr>
+          <p:cNvPr id="5" name="Espace réservé du numéro de diapositive 2">
+            <a:extLst>
+              <a:ext uri="{FF2B5EF4-FFF2-40B4-BE49-F238E27FC236}">
+                <a16:creationId xmlns:a16="http://schemas.microsoft.com/office/drawing/2014/main" id="{3D1D1AB8-7851-4721-BE32-CE6F1CBEFB5E}"/>
+              </a:ext>
+            </a:extLst>
+          </p:cNvPr>
+          <p:cNvSpPr txBox="1">
+            <a:spLocks/>
+          </p:cNvSpPr>
+          <p:nvPr/>
+        </p:nvSpPr>
+        <p:spPr>
+          <a:xfrm>
+            <a:off x="11412867" y="165878"/>
+            <a:ext cx="643748" cy="365125"/>
+          </a:xfrm>
+          <a:prstGeom prst="rect">
+            <a:avLst/>
+          </a:prstGeom>
+        </p:spPr>
+        <p:txBody>
+          <a:bodyPr vert="horz" lIns="91440" tIns="45720" rIns="91440" bIns="45720" rtlCol="0" anchor="ctr"/>
+          <a:lstStyle>
+            <a:defPPr>
+              <a:defRPr lang="en-US"/>
+            </a:defPPr>
+            <a:lvl1pPr marL="0" algn="r" defTabSz="457200" rtl="0" eaLnBrk="1" latinLnBrk="0" hangingPunct="1">
+              <a:defRPr sz="1050" kern="1200">
+                <a:solidFill>
+                  <a:schemeClr val="tx1">
+                    <a:tint val="75000"/>
+                  </a:schemeClr>
+                </a:solidFill>
+                <a:latin typeface="+mn-lt"/>
+                <a:ea typeface="+mn-ea"/>
+                <a:cs typeface="+mn-cs"/>
+              </a:defRPr>
+            </a:lvl1pPr>
+            <a:lvl2pPr marL="457200" algn="l" defTabSz="457200" rtl="0" eaLnBrk="1" latinLnBrk="0" hangingPunct="1">
+              <a:defRPr sz="1800" kern="1200">
+                <a:solidFill>
+                  <a:schemeClr val="tx1"/>
+                </a:solidFill>
+                <a:latin typeface="+mn-lt"/>
+                <a:ea typeface="+mn-ea"/>
+                <a:cs typeface="+mn-cs"/>
+              </a:defRPr>
+            </a:lvl2pPr>
+            <a:lvl3pPr marL="914400" algn="l" defTabSz="457200" rtl="0" eaLnBrk="1" latinLnBrk="0" hangingPunct="1">
+              <a:defRPr sz="1800" kern="1200">
+                <a:solidFill>
+                  <a:schemeClr val="tx1"/>
+                </a:solidFill>
+                <a:latin typeface="+mn-lt"/>
+                <a:ea typeface="+mn-ea"/>
+                <a:cs typeface="+mn-cs"/>
+              </a:defRPr>
+            </a:lvl3pPr>
+            <a:lvl4pPr marL="1371600" algn="l" defTabSz="457200" rtl="0" eaLnBrk="1" latinLnBrk="0" hangingPunct="1">
+              <a:defRPr sz="1800" kern="1200">
+                <a:solidFill>
+                  <a:schemeClr val="tx1"/>
+                </a:solidFill>
+                <a:latin typeface="+mn-lt"/>
+                <a:ea typeface="+mn-ea"/>
+                <a:cs typeface="+mn-cs"/>
+              </a:defRPr>
+            </a:lvl4pPr>
+            <a:lvl5pPr marL="1828800" algn="l" defTabSz="457200" rtl="0" eaLnBrk="1" latinLnBrk="0" hangingPunct="1">
+              <a:defRPr sz="1800" kern="1200">
+                <a:solidFill>
+                  <a:schemeClr val="tx1"/>
+                </a:solidFill>
+                <a:latin typeface="+mn-lt"/>
+                <a:ea typeface="+mn-ea"/>
+                <a:cs typeface="+mn-cs"/>
+              </a:defRPr>
+            </a:lvl5pPr>
+            <a:lvl6pPr marL="2286000" algn="l" defTabSz="457200" rtl="0" eaLnBrk="1" latinLnBrk="0" hangingPunct="1">
+              <a:defRPr sz="1800" kern="1200">
+                <a:solidFill>
+                  <a:schemeClr val="tx1"/>
+                </a:solidFill>
+                <a:latin typeface="+mn-lt"/>
+                <a:ea typeface="+mn-ea"/>
+                <a:cs typeface="+mn-cs"/>
+              </a:defRPr>
+            </a:lvl6pPr>
+            <a:lvl7pPr marL="2743200" algn="l" defTabSz="457200" rtl="0" eaLnBrk="1" latinLnBrk="0" hangingPunct="1">
+              <a:defRPr sz="1800" kern="1200">
+                <a:solidFill>
+                  <a:schemeClr val="tx1"/>
+                </a:solidFill>
+                <a:latin typeface="+mn-lt"/>
+                <a:ea typeface="+mn-ea"/>
+                <a:cs typeface="+mn-cs"/>
+              </a:defRPr>
+            </a:lvl7pPr>
+            <a:lvl8pPr marL="3200400" algn="l" defTabSz="457200" rtl="0" eaLnBrk="1" latinLnBrk="0" hangingPunct="1">
+              <a:defRPr sz="1800" kern="1200">
+                <a:solidFill>
+                  <a:schemeClr val="tx1"/>
+                </a:solidFill>
+                <a:latin typeface="+mn-lt"/>
+                <a:ea typeface="+mn-ea"/>
+                <a:cs typeface="+mn-cs"/>
+              </a:defRPr>
+            </a:lvl8pPr>
+            <a:lvl9pPr marL="3657600" algn="l" defTabSz="457200" rtl="0" eaLnBrk="1" latinLnBrk="0" hangingPunct="1">
+              <a:defRPr sz="1800" kern="1200">
+                <a:solidFill>
+                  <a:schemeClr val="tx1"/>
+                </a:solidFill>
+                <a:latin typeface="+mn-lt"/>
+                <a:ea typeface="+mn-ea"/>
+                <a:cs typeface="+mn-cs"/>
+              </a:defRPr>
+            </a:lvl9pPr>
+          </a:lstStyle>
+          <a:p>
+            <a:fld id="{22EBEF4F-4056-4A7E-9612-F3E8B502E28B}" type="slidenum">
+              <a:rPr lang="fr-FR" sz="1600" b="1" smtClean="0"/>
+              <a:pPr/>
+              <a:t>13</a:t>
+            </a:fld>
+            <a:endParaRPr lang="fr-FR" sz="1600" b="1" dirty="0"/>
+          </a:p>
+        </p:txBody>
+      </p:sp>
     </p:spTree>
     <p:extLst>
       <p:ext uri="{BB962C8B-B14F-4D97-AF65-F5344CB8AC3E}">
@@ -13617,6 +14055,337 @@
       </p:grpSpPr>
       <p:sp>
         <p:nvSpPr>
+          <p:cNvPr id="2" name="Title 1">
+            <a:extLst>
+              <a:ext uri="{FF2B5EF4-FFF2-40B4-BE49-F238E27FC236}">
+                <a16:creationId xmlns:a16="http://schemas.microsoft.com/office/drawing/2014/main" id="{5C9A419A-49B0-418E-80CB-42594B300BD2}"/>
+              </a:ext>
+            </a:extLst>
+          </p:cNvPr>
+          <p:cNvSpPr>
+            <a:spLocks noGrp="1"/>
+          </p:cNvSpPr>
+          <p:nvPr>
+            <p:ph type="title"/>
+          </p:nvPr>
+        </p:nvSpPr>
+        <p:spPr>
+          <a:xfrm>
+            <a:off x="685800" y="753533"/>
+            <a:ext cx="10820399" cy="722341"/>
+          </a:xfrm>
+        </p:spPr>
+        <p:txBody>
+          <a:bodyPr/>
+          <a:lstStyle/>
+          <a:p>
+            <a:r>
+              <a:rPr lang="fr-FR" dirty="0"/>
+              <a:t>Le contexte</a:t>
+            </a:r>
+            <a:endParaRPr lang="en-GB" dirty="0"/>
+          </a:p>
+        </p:txBody>
+      </p:sp>
+      <p:sp>
+        <p:nvSpPr>
+          <p:cNvPr id="3" name="Text Placeholder 2">
+            <a:extLst>
+              <a:ext uri="{FF2B5EF4-FFF2-40B4-BE49-F238E27FC236}">
+                <a16:creationId xmlns:a16="http://schemas.microsoft.com/office/drawing/2014/main" id="{9392442C-B3A0-4638-B622-291C64F6FED7}"/>
+              </a:ext>
+            </a:extLst>
+          </p:cNvPr>
+          <p:cNvSpPr>
+            <a:spLocks noGrp="1"/>
+          </p:cNvSpPr>
+          <p:nvPr>
+            <p:ph type="body" idx="1"/>
+          </p:nvPr>
+        </p:nvSpPr>
+        <p:spPr>
+          <a:xfrm>
+            <a:off x="432379" y="1972581"/>
+            <a:ext cx="11327239" cy="2945063"/>
+          </a:xfrm>
+        </p:spPr>
+        <p:txBody>
+          <a:bodyPr/>
+          <a:lstStyle/>
+          <a:p>
+            <a:r>
+              <a:rPr lang="fr-FR" sz="2800" dirty="0">
+                <a:solidFill>
+                  <a:schemeClr val="tx1"/>
+                </a:solidFill>
+              </a:rPr>
+              <a:t>L'agence "</a:t>
+            </a:r>
+            <a:r>
+              <a:rPr lang="fr-FR" sz="2800" dirty="0">
+                <a:solidFill>
+                  <a:schemeClr val="tx1"/>
+                </a:solidFill>
+                <a:hlinkClick r:id="rId2">
+                  <a:extLst>
+                    <a:ext uri="{A12FA001-AC4F-418D-AE19-62706E023703}">
+                      <ahyp:hlinkClr xmlns:ahyp="http://schemas.microsoft.com/office/drawing/2018/hyperlinkcolor" val="tx"/>
+                    </a:ext>
+                  </a:extLst>
+                </a:hlinkClick>
+              </a:rPr>
+              <a:t>Santé publique France</a:t>
+            </a:r>
+            <a:r>
+              <a:rPr lang="fr-FR" sz="2800" dirty="0">
+                <a:solidFill>
+                  <a:schemeClr val="tx1"/>
+                </a:solidFill>
+              </a:rPr>
+              <a:t>" a lancé</a:t>
+            </a:r>
+            <a:r>
+              <a:rPr lang="fr-FR" sz="2800" b="1" dirty="0">
+                <a:solidFill>
+                  <a:schemeClr val="tx1"/>
+                </a:solidFill>
+              </a:rPr>
+              <a:t> </a:t>
+            </a:r>
+          </a:p>
+          <a:p>
+            <a:r>
+              <a:rPr lang="fr-FR" sz="2800" b="1" dirty="0">
+                <a:solidFill>
+                  <a:schemeClr val="tx1"/>
+                </a:solidFill>
+              </a:rPr>
+              <a:t>un appel à projets pour trouver des idées innovantes d’applications en lien avec l'alimentation.</a:t>
+            </a:r>
+          </a:p>
+          <a:p>
+            <a:r>
+              <a:rPr lang="fr-FR" sz="2800" dirty="0">
+                <a:solidFill>
+                  <a:schemeClr val="tx1"/>
+                </a:solidFill>
+              </a:rPr>
+              <a:t> </a:t>
+            </a:r>
+          </a:p>
+          <a:p>
+            <a:r>
+              <a:rPr lang="fr-FR" sz="2800" dirty="0">
+                <a:solidFill>
+                  <a:schemeClr val="tx1"/>
+                </a:solidFill>
+              </a:rPr>
+              <a:t>Nous souhaitons y participer et proposer une idée d’application.</a:t>
+            </a:r>
+            <a:endParaRPr lang="en-GB" sz="2800" dirty="0">
+              <a:solidFill>
+                <a:schemeClr val="tx1"/>
+              </a:solidFill>
+            </a:endParaRPr>
+          </a:p>
+        </p:txBody>
+      </p:sp>
+      <p:pic>
+        <p:nvPicPr>
+          <p:cNvPr id="4" name="Picture 4">
+            <a:extLst>
+              <a:ext uri="{FF2B5EF4-FFF2-40B4-BE49-F238E27FC236}">
+                <a16:creationId xmlns:a16="http://schemas.microsoft.com/office/drawing/2014/main" id="{336CFBE4-1E27-434B-B0F9-E5E92EB73C3A}"/>
+              </a:ext>
+            </a:extLst>
+          </p:cNvPr>
+          <p:cNvPicPr>
+            <a:picLocks noChangeAspect="1"/>
+          </p:cNvPicPr>
+          <p:nvPr/>
+        </p:nvPicPr>
+        <p:blipFill>
+          <a:blip r:embed="rId3">
+            <a:extLst>
+              <a:ext uri="{28A0092B-C50C-407E-A947-70E740481C1C}">
+                <a14:useLocalDpi xmlns:a14="http://schemas.microsoft.com/office/drawing/2010/main" val="0"/>
+              </a:ext>
+            </a:extLst>
+          </a:blip>
+          <a:stretch>
+            <a:fillRect/>
+          </a:stretch>
+        </p:blipFill>
+        <p:spPr>
+          <a:xfrm>
+            <a:off x="187428" y="345058"/>
+            <a:ext cx="2158730" cy="1219048"/>
+          </a:xfrm>
+          <a:prstGeom prst="rect">
+            <a:avLst/>
+          </a:prstGeom>
+        </p:spPr>
+      </p:pic>
+      <p:sp>
+        <p:nvSpPr>
+          <p:cNvPr id="6" name="Espace réservé du numéro de diapositive 2">
+            <a:extLst>
+              <a:ext uri="{FF2B5EF4-FFF2-40B4-BE49-F238E27FC236}">
+                <a16:creationId xmlns:a16="http://schemas.microsoft.com/office/drawing/2014/main" id="{76442820-B957-4E3F-837C-4D0E995BC418}"/>
+              </a:ext>
+            </a:extLst>
+          </p:cNvPr>
+          <p:cNvSpPr>
+            <a:spLocks noGrp="1"/>
+          </p:cNvSpPr>
+          <p:nvPr>
+            <p:ph type="sldNum" sz="quarter" idx="12"/>
+          </p:nvPr>
+        </p:nvSpPr>
+        <p:spPr>
+          <a:xfrm>
+            <a:off x="11412867" y="165878"/>
+            <a:ext cx="643748" cy="365125"/>
+          </a:xfrm>
+        </p:spPr>
+        <p:txBody>
+          <a:bodyPr/>
+          <a:lstStyle/>
+          <a:p>
+            <a:fld id="{22EBEF4F-4056-4A7E-9612-F3E8B502E28B}" type="slidenum">
+              <a:rPr lang="fr-FR" sz="1600" b="1" smtClean="0"/>
+              <a:t>2</a:t>
+            </a:fld>
+            <a:endParaRPr lang="fr-FR" sz="1600" b="1" dirty="0"/>
+          </a:p>
+        </p:txBody>
+      </p:sp>
+    </p:spTree>
+    <p:extLst>
+      <p:ext uri="{BB962C8B-B14F-4D97-AF65-F5344CB8AC3E}">
+        <p14:creationId xmlns:p14="http://schemas.microsoft.com/office/powerpoint/2010/main" val="3576308320"/>
+      </p:ext>
+    </p:extLst>
+  </p:cSld>
+  <p:clrMapOvr>
+    <a:masterClrMapping/>
+  </p:clrMapOvr>
+</p:sld>
+</file>
+
+<file path=ppt/slides/slide3.xml><?xml version="1.0" encoding="utf-8"?>
+<p:sld xmlns:a="http://schemas.openxmlformats.org/drawingml/2006/main" xmlns:r="http://schemas.openxmlformats.org/officeDocument/2006/relationships" xmlns:p="http://schemas.openxmlformats.org/presentationml/2006/main">
+  <p:cSld>
+    <p:spTree>
+      <p:nvGrpSpPr>
+        <p:cNvPr id="1" name=""/>
+        <p:cNvGrpSpPr/>
+        <p:nvPr/>
+      </p:nvGrpSpPr>
+      <p:grpSpPr>
+        <a:xfrm>
+          <a:off x="0" y="0"/>
+          <a:ext cx="0" cy="0"/>
+          <a:chOff x="0" y="0"/>
+          <a:chExt cx="0" cy="0"/>
+        </a:xfrm>
+      </p:grpSpPr>
+      <p:sp>
+        <p:nvSpPr>
+          <p:cNvPr id="2" name="Titre 1">
+            <a:extLst>
+              <a:ext uri="{FF2B5EF4-FFF2-40B4-BE49-F238E27FC236}">
+                <a16:creationId xmlns:a16="http://schemas.microsoft.com/office/drawing/2014/main" id="{859271E4-0F1C-49A2-A674-5837229DC44E}"/>
+              </a:ext>
+            </a:extLst>
+          </p:cNvPr>
+          <p:cNvSpPr>
+            <a:spLocks noGrp="1"/>
+          </p:cNvSpPr>
+          <p:nvPr>
+            <p:ph type="ctrTitle"/>
+          </p:nvPr>
+        </p:nvSpPr>
+        <p:spPr/>
+        <p:txBody>
+          <a:bodyPr/>
+          <a:lstStyle/>
+          <a:p>
+            <a:r>
+              <a:rPr lang="fr-FR" dirty="0"/>
+              <a:t>YUSKAN</a:t>
+            </a:r>
+          </a:p>
+        </p:txBody>
+      </p:sp>
+      <p:pic>
+        <p:nvPicPr>
+          <p:cNvPr id="5" name="Picture 4">
+            <a:extLst>
+              <a:ext uri="{FF2B5EF4-FFF2-40B4-BE49-F238E27FC236}">
+                <a16:creationId xmlns:a16="http://schemas.microsoft.com/office/drawing/2014/main" id="{32FE1C47-E0E1-49FA-ADA2-D52922BAE838}"/>
+              </a:ext>
+            </a:extLst>
+          </p:cNvPr>
+          <p:cNvPicPr>
+            <a:picLocks noChangeAspect="1"/>
+          </p:cNvPicPr>
+          <p:nvPr/>
+        </p:nvPicPr>
+        <p:blipFill>
+          <a:blip r:embed="rId2">
+            <a:extLst>
+              <a:ext uri="{28A0092B-C50C-407E-A947-70E740481C1C}">
+                <a14:useLocalDpi xmlns:a14="http://schemas.microsoft.com/office/drawing/2010/main" val="0"/>
+              </a:ext>
+            </a:extLst>
+          </a:blip>
+          <a:stretch>
+            <a:fillRect/>
+          </a:stretch>
+        </p:blipFill>
+        <p:spPr>
+          <a:xfrm>
+            <a:off x="10033270" y="282914"/>
+            <a:ext cx="2158730" cy="1219048"/>
+          </a:xfrm>
+          <a:prstGeom prst="rect">
+            <a:avLst/>
+          </a:prstGeom>
+        </p:spPr>
+      </p:pic>
+    </p:spTree>
+    <p:extLst>
+      <p:ext uri="{BB962C8B-B14F-4D97-AF65-F5344CB8AC3E}">
+        <p14:creationId xmlns:p14="http://schemas.microsoft.com/office/powerpoint/2010/main" val="2833374160"/>
+      </p:ext>
+    </p:extLst>
+  </p:cSld>
+  <p:clrMapOvr>
+    <a:masterClrMapping/>
+  </p:clrMapOvr>
+</p:sld>
+</file>
+
+<file path=ppt/slides/slide4.xml><?xml version="1.0" encoding="utf-8"?>
+<p:sld xmlns:a="http://schemas.openxmlformats.org/drawingml/2006/main" xmlns:r="http://schemas.openxmlformats.org/officeDocument/2006/relationships" xmlns:p="http://schemas.openxmlformats.org/presentationml/2006/main">
+  <p:cSld>
+    <p:spTree>
+      <p:nvGrpSpPr>
+        <p:cNvPr id="1" name=""/>
+        <p:cNvGrpSpPr/>
+        <p:nvPr/>
+      </p:nvGrpSpPr>
+      <p:grpSpPr>
+        <a:xfrm>
+          <a:off x="0" y="0"/>
+          <a:ext cx="0" cy="0"/>
+          <a:chOff x="0" y="0"/>
+          <a:chExt cx="0" cy="0"/>
+        </a:xfrm>
+      </p:grpSpPr>
+      <p:sp>
+        <p:nvSpPr>
           <p:cNvPr id="2" name="Titre 1">
             <a:extLst>
               <a:ext uri="{FF2B5EF4-FFF2-40B4-BE49-F238E27FC236}">
@@ -13783,35 +14552,6 @@
               <a:rPr lang="fr-FR" sz="2400" dirty="0"/>
               <a:t>Questions-réponses</a:t>
             </a:r>
-          </a:p>
-        </p:txBody>
-      </p:sp>
-      <p:sp>
-        <p:nvSpPr>
-          <p:cNvPr id="4" name="Slide Number Placeholder 3">
-            <a:extLst>
-              <a:ext uri="{FF2B5EF4-FFF2-40B4-BE49-F238E27FC236}">
-                <a16:creationId xmlns:a16="http://schemas.microsoft.com/office/drawing/2014/main" id="{EB8A9CDC-2AC7-43D2-A50B-49BB65551129}"/>
-              </a:ext>
-            </a:extLst>
-          </p:cNvPr>
-          <p:cNvSpPr>
-            <a:spLocks noGrp="1"/>
-          </p:cNvSpPr>
-          <p:nvPr>
-            <p:ph type="sldNum" sz="quarter" idx="12"/>
-          </p:nvPr>
-        </p:nvSpPr>
-        <p:spPr/>
-        <p:txBody>
-          <a:bodyPr/>
-          <a:lstStyle/>
-          <a:p>
-            <a:fld id="{22EBEF4F-4056-4A7E-9612-F3E8B502E28B}" type="slidenum">
-              <a:rPr lang="fr-FR" smtClean="0"/>
-              <a:t>2</a:t>
-            </a:fld>
-            <a:endParaRPr lang="fr-FR"/>
           </a:p>
         </p:txBody>
       </p:sp>
@@ -13863,6 +14603,40 @@
           </a:extLst>
         </p:spPr>
       </p:pic>
+      <p:sp>
+        <p:nvSpPr>
+          <p:cNvPr id="6" name="Espace réservé du numéro de diapositive 2">
+            <a:extLst>
+              <a:ext uri="{FF2B5EF4-FFF2-40B4-BE49-F238E27FC236}">
+                <a16:creationId xmlns:a16="http://schemas.microsoft.com/office/drawing/2014/main" id="{1DB8435F-3D5B-46B0-8734-A0D3FB2E8B19}"/>
+              </a:ext>
+            </a:extLst>
+          </p:cNvPr>
+          <p:cNvSpPr>
+            <a:spLocks noGrp="1"/>
+          </p:cNvSpPr>
+          <p:nvPr>
+            <p:ph type="sldNum" sz="quarter" idx="12"/>
+          </p:nvPr>
+        </p:nvSpPr>
+        <p:spPr>
+          <a:xfrm>
+            <a:off x="11412867" y="165878"/>
+            <a:ext cx="643748" cy="365125"/>
+          </a:xfrm>
+        </p:spPr>
+        <p:txBody>
+          <a:bodyPr/>
+          <a:lstStyle/>
+          <a:p>
+            <a:fld id="{22EBEF4F-4056-4A7E-9612-F3E8B502E28B}" type="slidenum">
+              <a:rPr lang="fr-FR" sz="1600" b="1" smtClean="0"/>
+              <a:t>4</a:t>
+            </a:fld>
+            <a:endParaRPr lang="fr-FR" sz="1600" b="1" dirty="0"/>
+          </a:p>
+        </p:txBody>
+      </p:sp>
     </p:spTree>
     <p:extLst>
       <p:ext uri="{BB962C8B-B14F-4D97-AF65-F5344CB8AC3E}">
@@ -13876,7 +14650,7 @@
 </p:sld>
 </file>
 
-<file path=ppt/slides/slide3.xml><?xml version="1.0" encoding="utf-8"?>
+<file path=ppt/slides/slide5.xml><?xml version="1.0" encoding="utf-8"?>
 <p:sld xmlns:a="http://schemas.openxmlformats.org/drawingml/2006/main" xmlns:r="http://schemas.openxmlformats.org/officeDocument/2006/relationships" xmlns:p="http://schemas.openxmlformats.org/presentationml/2006/main">
   <p:cSld>
     <p:spTree>
@@ -14011,6 +14785,40 @@
           </a:extLst>
         </p:spPr>
       </p:pic>
+      <p:sp>
+        <p:nvSpPr>
+          <p:cNvPr id="6" name="Espace réservé du numéro de diapositive 2">
+            <a:extLst>
+              <a:ext uri="{FF2B5EF4-FFF2-40B4-BE49-F238E27FC236}">
+                <a16:creationId xmlns:a16="http://schemas.microsoft.com/office/drawing/2014/main" id="{2F10977A-4C16-4D01-AC77-DA41EC3976E0}"/>
+              </a:ext>
+            </a:extLst>
+          </p:cNvPr>
+          <p:cNvSpPr>
+            <a:spLocks noGrp="1"/>
+          </p:cNvSpPr>
+          <p:nvPr>
+            <p:ph type="sldNum" sz="quarter" idx="12"/>
+          </p:nvPr>
+        </p:nvSpPr>
+        <p:spPr>
+          <a:xfrm>
+            <a:off x="11412867" y="165878"/>
+            <a:ext cx="643748" cy="365125"/>
+          </a:xfrm>
+        </p:spPr>
+        <p:txBody>
+          <a:bodyPr/>
+          <a:lstStyle/>
+          <a:p>
+            <a:fld id="{22EBEF4F-4056-4A7E-9612-F3E8B502E28B}" type="slidenum">
+              <a:rPr lang="fr-FR" sz="1600" b="1" smtClean="0"/>
+              <a:t>5</a:t>
+            </a:fld>
+            <a:endParaRPr lang="fr-FR" sz="1600" b="1" dirty="0"/>
+          </a:p>
+        </p:txBody>
+      </p:sp>
     </p:spTree>
     <p:extLst>
       <p:ext uri="{BB962C8B-B14F-4D97-AF65-F5344CB8AC3E}">
@@ -14024,7 +14832,7 @@
 </p:sld>
 </file>
 
-<file path=ppt/slides/slide4.xml><?xml version="1.0" encoding="utf-8"?>
+<file path=ppt/slides/slide6.xml><?xml version="1.0" encoding="utf-8"?>
 <p:sld xmlns:a="http://schemas.openxmlformats.org/drawingml/2006/main" xmlns:r="http://schemas.openxmlformats.org/officeDocument/2006/relationships" xmlns:p="http://schemas.openxmlformats.org/presentationml/2006/main">
   <p:cSld>
     <p:spTree>
@@ -14069,7 +14877,7 @@
           <a:p>
             <a:r>
               <a:rPr lang="fr-FR" dirty="0"/>
-              <a:t>Le contexte</a:t>
+              <a:t>LES DONNÉES</a:t>
             </a:r>
             <a:endParaRPr lang="en-GB" dirty="0"/>
           </a:p>
@@ -14093,211 +14901,8 @@
         </p:nvSpPr>
         <p:spPr>
           <a:xfrm>
-            <a:off x="432379" y="1972581"/>
-            <a:ext cx="11327239" cy="2945063"/>
-          </a:xfrm>
-        </p:spPr>
-        <p:txBody>
-          <a:bodyPr/>
-          <a:lstStyle/>
-          <a:p>
-            <a:r>
-              <a:rPr lang="fr-FR" sz="2800" dirty="0">
-                <a:solidFill>
-                  <a:schemeClr val="tx1"/>
-                </a:solidFill>
-              </a:rPr>
-              <a:t>L'agence "</a:t>
-            </a:r>
-            <a:r>
-              <a:rPr lang="fr-FR" sz="2800" dirty="0">
-                <a:solidFill>
-                  <a:schemeClr val="tx1"/>
-                </a:solidFill>
-                <a:hlinkClick r:id="rId2">
-                  <a:extLst>
-                    <a:ext uri="{A12FA001-AC4F-418D-AE19-62706E023703}">
-                      <ahyp:hlinkClr xmlns:ahyp="http://schemas.microsoft.com/office/drawing/2018/hyperlinkcolor" val="tx"/>
-                    </a:ext>
-                  </a:extLst>
-                </a:hlinkClick>
-              </a:rPr>
-              <a:t>Santé publique France</a:t>
-            </a:r>
-            <a:r>
-              <a:rPr lang="fr-FR" sz="2800" dirty="0">
-                <a:solidFill>
-                  <a:schemeClr val="tx1"/>
-                </a:solidFill>
-              </a:rPr>
-              <a:t>" a lancé</a:t>
-            </a:r>
-            <a:r>
-              <a:rPr lang="fr-FR" sz="2800" b="1" dirty="0">
-                <a:solidFill>
-                  <a:schemeClr val="tx1"/>
-                </a:solidFill>
-              </a:rPr>
-              <a:t> </a:t>
-            </a:r>
-          </a:p>
-          <a:p>
-            <a:r>
-              <a:rPr lang="fr-FR" sz="2800" b="1" dirty="0">
-                <a:solidFill>
-                  <a:schemeClr val="tx1"/>
-                </a:solidFill>
-              </a:rPr>
-              <a:t>un appel à projets pour trouver des idées innovantes d’applications en lien avec l'alimentation.</a:t>
-            </a:r>
-          </a:p>
-          <a:p>
-            <a:r>
-              <a:rPr lang="fr-FR" sz="2800" dirty="0">
-                <a:solidFill>
-                  <a:schemeClr val="tx1"/>
-                </a:solidFill>
-              </a:rPr>
-              <a:t> </a:t>
-            </a:r>
-          </a:p>
-          <a:p>
-            <a:r>
-              <a:rPr lang="fr-FR" sz="2800" dirty="0">
-                <a:solidFill>
-                  <a:schemeClr val="tx1"/>
-                </a:solidFill>
-              </a:rPr>
-              <a:t>Nous souhaitons y participer et proposer une idée d’application.</a:t>
-            </a:r>
-            <a:endParaRPr lang="en-GB" sz="2800" dirty="0">
-              <a:solidFill>
-                <a:schemeClr val="tx1"/>
-              </a:solidFill>
-            </a:endParaRPr>
-          </a:p>
-        </p:txBody>
-      </p:sp>
-      <p:pic>
-        <p:nvPicPr>
-          <p:cNvPr id="4" name="Picture 4">
-            <a:extLst>
-              <a:ext uri="{FF2B5EF4-FFF2-40B4-BE49-F238E27FC236}">
-                <a16:creationId xmlns:a16="http://schemas.microsoft.com/office/drawing/2014/main" id="{336CFBE4-1E27-434B-B0F9-E5E92EB73C3A}"/>
-              </a:ext>
-            </a:extLst>
-          </p:cNvPr>
-          <p:cNvPicPr>
-            <a:picLocks noChangeAspect="1"/>
-          </p:cNvPicPr>
-          <p:nvPr/>
-        </p:nvPicPr>
-        <p:blipFill>
-          <a:blip r:embed="rId3">
-            <a:extLst>
-              <a:ext uri="{28A0092B-C50C-407E-A947-70E740481C1C}">
-                <a14:useLocalDpi xmlns:a14="http://schemas.microsoft.com/office/drawing/2010/main" val="0"/>
-              </a:ext>
-            </a:extLst>
-          </a:blip>
-          <a:stretch>
-            <a:fillRect/>
-          </a:stretch>
-        </p:blipFill>
-        <p:spPr>
-          <a:xfrm>
-            <a:off x="187428" y="345058"/>
-            <a:ext cx="2158730" cy="1219048"/>
-          </a:xfrm>
-          <a:prstGeom prst="rect">
-            <a:avLst/>
-          </a:prstGeom>
-        </p:spPr>
-      </p:pic>
-    </p:spTree>
-    <p:extLst>
-      <p:ext uri="{BB962C8B-B14F-4D97-AF65-F5344CB8AC3E}">
-        <p14:creationId xmlns:p14="http://schemas.microsoft.com/office/powerpoint/2010/main" val="3576308320"/>
-      </p:ext>
-    </p:extLst>
-  </p:cSld>
-  <p:clrMapOvr>
-    <a:masterClrMapping/>
-  </p:clrMapOvr>
-</p:sld>
-</file>
-
-<file path=ppt/slides/slide5.xml><?xml version="1.0" encoding="utf-8"?>
-<p:sld xmlns:a="http://schemas.openxmlformats.org/drawingml/2006/main" xmlns:r="http://schemas.openxmlformats.org/officeDocument/2006/relationships" xmlns:p="http://schemas.openxmlformats.org/presentationml/2006/main">
-  <p:cSld>
-    <p:spTree>
-      <p:nvGrpSpPr>
-        <p:cNvPr id="1" name=""/>
-        <p:cNvGrpSpPr/>
-        <p:nvPr/>
-      </p:nvGrpSpPr>
-      <p:grpSpPr>
-        <a:xfrm>
-          <a:off x="0" y="0"/>
-          <a:ext cx="0" cy="0"/>
-          <a:chOff x="0" y="0"/>
-          <a:chExt cx="0" cy="0"/>
-        </a:xfrm>
-      </p:grpSpPr>
-      <p:sp>
-        <p:nvSpPr>
-          <p:cNvPr id="2" name="Title 1">
-            <a:extLst>
-              <a:ext uri="{FF2B5EF4-FFF2-40B4-BE49-F238E27FC236}">
-                <a16:creationId xmlns:a16="http://schemas.microsoft.com/office/drawing/2014/main" id="{5C9A419A-49B0-418E-80CB-42594B300BD2}"/>
-              </a:ext>
-            </a:extLst>
-          </p:cNvPr>
-          <p:cNvSpPr>
-            <a:spLocks noGrp="1"/>
-          </p:cNvSpPr>
-          <p:nvPr>
-            <p:ph type="title"/>
-          </p:nvPr>
-        </p:nvSpPr>
-        <p:spPr>
-          <a:xfrm>
-            <a:off x="685800" y="753533"/>
-            <a:ext cx="10820399" cy="722341"/>
-          </a:xfrm>
-        </p:spPr>
-        <p:txBody>
-          <a:bodyPr/>
-          <a:lstStyle/>
-          <a:p>
-            <a:r>
-              <a:rPr lang="fr-FR" dirty="0"/>
-              <a:t>LES DONNÉES</a:t>
-            </a:r>
-            <a:endParaRPr lang="en-GB" dirty="0"/>
-          </a:p>
-        </p:txBody>
-      </p:sp>
-      <p:sp>
-        <p:nvSpPr>
-          <p:cNvPr id="3" name="Text Placeholder 2">
-            <a:extLst>
-              <a:ext uri="{FF2B5EF4-FFF2-40B4-BE49-F238E27FC236}">
-                <a16:creationId xmlns:a16="http://schemas.microsoft.com/office/drawing/2014/main" id="{9392442C-B3A0-4638-B622-291C64F6FED7}"/>
-              </a:ext>
-            </a:extLst>
-          </p:cNvPr>
-          <p:cNvSpPr>
-            <a:spLocks noGrp="1"/>
-          </p:cNvSpPr>
-          <p:nvPr>
-            <p:ph type="body" idx="1"/>
-          </p:nvPr>
-        </p:nvSpPr>
-        <p:spPr>
-          <a:xfrm>
-            <a:off x="1701800" y="2314593"/>
-            <a:ext cx="10490200" cy="3497493"/>
+            <a:off x="2030274" y="1970843"/>
+            <a:ext cx="10490200" cy="3841243"/>
           </a:xfrm>
         </p:spPr>
         <p:txBody>
@@ -14332,6 +14937,9 @@
               </a:rPr>
               <a:t> :</a:t>
             </a:r>
+          </a:p>
+          <a:p>
+            <a:pPr algn="l"/>
             <a:endParaRPr lang="fr-FR" dirty="0">
               <a:solidFill>
                 <a:schemeClr val="tx1"/>
@@ -14379,7 +14987,31 @@
                   <a:schemeClr val="tx1"/>
                 </a:solidFill>
               </a:rPr>
-              <a:t>Base de produits alimentaires</a:t>
+              <a:t>Base de +</a:t>
+            </a:r>
+            <a:r>
+              <a:rPr lang="fr-FR" b="1" dirty="0">
+                <a:solidFill>
+                  <a:schemeClr val="tx1"/>
+                </a:solidFill>
+              </a:rPr>
+              <a:t>800’000</a:t>
+            </a:r>
+            <a:r>
+              <a:rPr lang="fr-FR" dirty="0">
+                <a:solidFill>
+                  <a:schemeClr val="tx1"/>
+                </a:solidFill>
+              </a:rPr>
+              <a:t> produits </a:t>
+            </a:r>
+            <a:r>
+              <a:rPr lang="fr-FR" b="1" dirty="0">
+                <a:solidFill>
+                  <a:schemeClr val="tx1"/>
+                </a:solidFill>
+              </a:rPr>
+              <a:t>alimentaires</a:t>
             </a:r>
           </a:p>
           <a:p>
@@ -14407,7 +15039,7 @@
                   <a:schemeClr val="tx1"/>
                 </a:solidFill>
               </a:rPr>
-              <a:t>… et toutes les informations présentes sur les étiquettes des aliment</a:t>
+              <a:t>… et toutes les informations présentes sur les étiquettes des aliments</a:t>
             </a:r>
           </a:p>
           <a:p>
@@ -14421,7 +15053,23 @@
                   <a:schemeClr val="tx1"/>
                 </a:solidFill>
               </a:rPr>
-              <a:t>Description des variables : </a:t>
+              <a:t>Description des </a:t>
+            </a:r>
+            <a:r>
+              <a:rPr lang="fr-FR" b="1" dirty="0">
+                <a:solidFill>
+                  <a:schemeClr val="tx1"/>
+                </a:solidFill>
+              </a:rPr>
+              <a:t>175 variables</a:t>
+            </a:r>
+            <a:r>
+              <a:rPr lang="fr-FR" dirty="0">
+                <a:solidFill>
+                  <a:schemeClr val="tx1"/>
+                </a:solidFill>
+              </a:rPr>
+              <a:t> : </a:t>
             </a:r>
             <a:r>
               <a:rPr lang="fr-FR" dirty="0">
@@ -14437,6 +15085,28 @@
                 <a:schemeClr val="tx1"/>
               </a:solidFill>
             </a:endParaRPr>
+          </a:p>
+          <a:p>
+            <a:pPr marL="342900" indent="-342900" algn="l">
+              <a:buFont typeface="Arial" panose="020B0604020202020204" pitchFamily="34" charset="0"/>
+              <a:buChar char="•"/>
+            </a:pPr>
+            <a:r>
+              <a:rPr lang="fr-FR" dirty="0">
+                <a:solidFill>
+                  <a:schemeClr val="tx1"/>
+                </a:solidFill>
+              </a:rPr>
+              <a:t>Le fichier .csv pèse </a:t>
+            </a:r>
+            <a:r>
+              <a:rPr lang="fr-FR" b="1" dirty="0">
+                <a:solidFill>
+                  <a:schemeClr val="tx1"/>
+                </a:solidFill>
+              </a:rPr>
+              <a:t>+2,4 Go</a:t>
+            </a:r>
           </a:p>
         </p:txBody>
       </p:sp>
@@ -14476,6 +15146,40 @@
           </a:prstGeom>
         </p:spPr>
       </p:pic>
+      <p:sp>
+        <p:nvSpPr>
+          <p:cNvPr id="6" name="Espace réservé du numéro de diapositive 2">
+            <a:extLst>
+              <a:ext uri="{FF2B5EF4-FFF2-40B4-BE49-F238E27FC236}">
+                <a16:creationId xmlns:a16="http://schemas.microsoft.com/office/drawing/2014/main" id="{5E00C3BC-F857-4F8A-B344-42D30B295FAB}"/>
+              </a:ext>
+            </a:extLst>
+          </p:cNvPr>
+          <p:cNvSpPr>
+            <a:spLocks noGrp="1"/>
+          </p:cNvSpPr>
+          <p:nvPr>
+            <p:ph type="sldNum" sz="quarter" idx="12"/>
+          </p:nvPr>
+        </p:nvSpPr>
+        <p:spPr>
+          <a:xfrm>
+            <a:off x="11412867" y="165878"/>
+            <a:ext cx="643748" cy="365125"/>
+          </a:xfrm>
+        </p:spPr>
+        <p:txBody>
+          <a:bodyPr/>
+          <a:lstStyle/>
+          <a:p>
+            <a:fld id="{22EBEF4F-4056-4A7E-9612-F3E8B502E28B}" type="slidenum">
+              <a:rPr lang="fr-FR" sz="1600" b="1" smtClean="0"/>
+              <a:t>6</a:t>
+            </a:fld>
+            <a:endParaRPr lang="fr-FR" sz="1600" b="1" dirty="0"/>
+          </a:p>
+        </p:txBody>
+      </p:sp>
     </p:spTree>
     <p:extLst>
       <p:ext uri="{BB962C8B-B14F-4D97-AF65-F5344CB8AC3E}">
@@ -14489,7 +15193,7 @@
 </p:sld>
 </file>
 
-<file path=ppt/slides/slide6.xml><?xml version="1.0" encoding="utf-8"?>
+<file path=ppt/slides/slide7.xml><?xml version="1.0" encoding="utf-8"?>
 <p:sld xmlns:a="http://schemas.openxmlformats.org/drawingml/2006/main" xmlns:r="http://schemas.openxmlformats.org/officeDocument/2006/relationships" xmlns:p="http://schemas.openxmlformats.org/presentationml/2006/main">
   <p:cSld>
     <p:spTree>
@@ -14508,6 +15212,128 @@
       </p:grpSpPr>
       <p:sp>
         <p:nvSpPr>
+          <p:cNvPr id="2" name="Titre 1">
+            <a:extLst>
+              <a:ext uri="{FF2B5EF4-FFF2-40B4-BE49-F238E27FC236}">
+                <a16:creationId xmlns:a16="http://schemas.microsoft.com/office/drawing/2014/main" id="{859271E4-0F1C-49A2-A674-5837229DC44E}"/>
+              </a:ext>
+            </a:extLst>
+          </p:cNvPr>
+          <p:cNvSpPr>
+            <a:spLocks noGrp="1"/>
+          </p:cNvSpPr>
+          <p:nvPr>
+            <p:ph type="ctrTitle"/>
+          </p:nvPr>
+        </p:nvSpPr>
+        <p:spPr/>
+        <p:txBody>
+          <a:bodyPr/>
+          <a:lstStyle/>
+          <a:p>
+            <a:r>
+              <a:rPr lang="fr-FR" dirty="0"/>
+              <a:t>YUSKAN</a:t>
+            </a:r>
+          </a:p>
+        </p:txBody>
+      </p:sp>
+      <p:sp>
+        <p:nvSpPr>
+          <p:cNvPr id="3" name="Sous-titre 2">
+            <a:extLst>
+              <a:ext uri="{FF2B5EF4-FFF2-40B4-BE49-F238E27FC236}">
+                <a16:creationId xmlns:a16="http://schemas.microsoft.com/office/drawing/2014/main" id="{AC191F27-E3EE-4599-B47D-9E2ED5AD9FA1}"/>
+              </a:ext>
+            </a:extLst>
+          </p:cNvPr>
+          <p:cNvSpPr>
+            <a:spLocks noGrp="1"/>
+          </p:cNvSpPr>
+          <p:nvPr>
+            <p:ph type="subTitle" idx="1"/>
+          </p:nvPr>
+        </p:nvSpPr>
+        <p:spPr/>
+        <p:txBody>
+          <a:bodyPr/>
+          <a:lstStyle/>
+          <a:p>
+            <a:r>
+              <a:rPr lang="fr-FR" dirty="0"/>
+              <a:t>Application pour la prévention de l’obésité chez les jeunes</a:t>
+            </a:r>
+          </a:p>
+        </p:txBody>
+      </p:sp>
+      <p:pic>
+        <p:nvPicPr>
+          <p:cNvPr id="5" name="Picture 4">
+            <a:extLst>
+              <a:ext uri="{FF2B5EF4-FFF2-40B4-BE49-F238E27FC236}">
+                <a16:creationId xmlns:a16="http://schemas.microsoft.com/office/drawing/2014/main" id="{32FE1C47-E0E1-49FA-ADA2-D52922BAE838}"/>
+              </a:ext>
+            </a:extLst>
+          </p:cNvPr>
+          <p:cNvPicPr>
+            <a:picLocks noChangeAspect="1"/>
+          </p:cNvPicPr>
+          <p:nvPr/>
+        </p:nvPicPr>
+        <p:blipFill>
+          <a:blip r:embed="rId2">
+            <a:extLst>
+              <a:ext uri="{28A0092B-C50C-407E-A947-70E740481C1C}">
+                <a14:useLocalDpi xmlns:a14="http://schemas.microsoft.com/office/drawing/2010/main" val="0"/>
+              </a:ext>
+            </a:extLst>
+          </a:blip>
+          <a:stretch>
+            <a:fillRect/>
+          </a:stretch>
+        </p:blipFill>
+        <p:spPr>
+          <a:xfrm>
+            <a:off x="10033270" y="282914"/>
+            <a:ext cx="2158730" cy="1219048"/>
+          </a:xfrm>
+          <a:prstGeom prst="rect">
+            <a:avLst/>
+          </a:prstGeom>
+        </p:spPr>
+      </p:pic>
+    </p:spTree>
+    <p:extLst>
+      <p:ext uri="{BB962C8B-B14F-4D97-AF65-F5344CB8AC3E}">
+        <p14:creationId xmlns:p14="http://schemas.microsoft.com/office/powerpoint/2010/main" val="1631397488"/>
+      </p:ext>
+    </p:extLst>
+  </p:cSld>
+  <p:clrMapOvr>
+    <a:masterClrMapping/>
+  </p:clrMapOvr>
+</p:sld>
+</file>
+
+<file path=ppt/slides/slide8.xml><?xml version="1.0" encoding="utf-8"?>
+<p:sld xmlns:a="http://schemas.openxmlformats.org/drawingml/2006/main" xmlns:r="http://schemas.openxmlformats.org/officeDocument/2006/relationships" xmlns:p="http://schemas.openxmlformats.org/presentationml/2006/main">
+  <p:cSld>
+    <p:spTree>
+      <p:nvGrpSpPr>
+        <p:cNvPr id="1" name=""/>
+        <p:cNvGrpSpPr/>
+        <p:nvPr/>
+      </p:nvGrpSpPr>
+      <p:grpSpPr>
+        <a:xfrm>
+          <a:off x="0" y="0"/>
+          <a:ext cx="0" cy="0"/>
+          <a:chOff x="0" y="0"/>
+          <a:chExt cx="0" cy="0"/>
+        </a:xfrm>
+      </p:grpSpPr>
+      <p:sp>
+        <p:nvSpPr>
           <p:cNvPr id="2" name="Title 1">
             <a:extLst>
               <a:ext uri="{FF2B5EF4-FFF2-40B4-BE49-F238E27FC236}">
@@ -14534,7 +15360,7 @@
           <a:p>
             <a:r>
               <a:rPr lang="fr-FR" dirty="0"/>
-              <a:t>L’idée D’application : YUSKAN</a:t>
+              <a:t>L’idée D’application</a:t>
             </a:r>
           </a:p>
         </p:txBody>
@@ -14557,13 +15383,13 @@
         </p:nvSpPr>
         <p:spPr>
           <a:xfrm>
-            <a:off x="2576338" y="1925123"/>
-            <a:ext cx="6053375" cy="4179344"/>
+            <a:off x="3116063" y="1851165"/>
+            <a:ext cx="6145246" cy="3530962"/>
           </a:xfrm>
         </p:spPr>
         <p:txBody>
           <a:bodyPr>
-            <a:normAutofit/>
+            <a:normAutofit fontScale="85000" lnSpcReduction="20000"/>
           </a:bodyPr>
           <a:lstStyle/>
           <a:p>
@@ -14576,6 +15402,9 @@
               </a:rPr>
               <a:t>Une alternative à </a:t>
             </a:r>
+          </a:p>
+          <a:p>
+            <a:pPr algn="l"/>
             <a:endParaRPr lang="fr-FR" dirty="0">
               <a:solidFill>
                 <a:schemeClr val="tx1"/>
@@ -14601,6 +15430,17 @@
               <a:buFont typeface="Arial" panose="020B0604020202020204" pitchFamily="34" charset="0"/>
               <a:buChar char="•"/>
             </a:pPr>
+            <a:endParaRPr lang="fr-FR" dirty="0">
+              <a:solidFill>
+                <a:schemeClr val="tx1"/>
+              </a:solidFill>
+            </a:endParaRPr>
+          </a:p>
+          <a:p>
+            <a:pPr marL="342900" indent="-342900" algn="l">
+              <a:buFont typeface="Arial" panose="020B0604020202020204" pitchFamily="34" charset="0"/>
+              <a:buChar char="•"/>
+            </a:pPr>
             <a:r>
               <a:rPr lang="fr-FR" dirty="0">
                 <a:solidFill>
@@ -14653,6 +15493,17 @@
             </a:r>
           </a:p>
           <a:p>
+            <a:pPr marL="800100" lvl="1" indent="-342900">
+              <a:buFont typeface="Arial" panose="020B0604020202020204" pitchFamily="34" charset="0"/>
+              <a:buChar char="•"/>
+            </a:pPr>
+            <a:endParaRPr lang="fr-FR" dirty="0">
+              <a:solidFill>
+                <a:schemeClr val="tx1"/>
+              </a:solidFill>
+            </a:endParaRPr>
+          </a:p>
+          <a:p>
             <a:pPr marL="342900" indent="-342900" algn="l">
               <a:buFont typeface="Arial" panose="020B0604020202020204" pitchFamily="34" charset="0"/>
               <a:buChar char="•"/>
@@ -14691,21 +15542,8 @@
                   <a:schemeClr val="tx1"/>
                 </a:solidFill>
               </a:rPr>
-              <a:t>Sans consommation de « </a:t>
-            </a:r>
-            <a:r>
-              <a:rPr lang="fr-FR">
-                <a:solidFill>
-                  <a:schemeClr val="tx1"/>
-                </a:solidFill>
-              </a:rPr>
-              <a:t>data »</a:t>
-            </a:r>
-            <a:endParaRPr lang="fr-FR" dirty="0">
-              <a:solidFill>
-                <a:schemeClr val="tx1"/>
-              </a:solidFill>
-            </a:endParaRPr>
+              <a:t>Sans consommation de « data »</a:t>
+            </a:r>
           </a:p>
           <a:p>
             <a:pPr marL="342900" indent="-342900" algn="l">
@@ -14819,7 +15657,7 @@
         </p:blipFill>
         <p:spPr>
           <a:xfrm>
-            <a:off x="5771702" y="1925123"/>
+            <a:off x="6129937" y="1794568"/>
             <a:ext cx="1634230" cy="487934"/>
           </a:xfrm>
           <a:prstGeom prst="rect">
@@ -14829,112 +15667,38 @@
       </p:pic>
       <p:sp>
         <p:nvSpPr>
-          <p:cNvPr id="8" name="ZoneTexte 7">
+          <p:cNvPr id="9" name="Espace réservé du numéro de diapositive 2">
             <a:extLst>
               <a:ext uri="{FF2B5EF4-FFF2-40B4-BE49-F238E27FC236}">
-                <a16:creationId xmlns:a16="http://schemas.microsoft.com/office/drawing/2014/main" id="{F1EF1C3B-62E6-4A25-B35A-A81E49651BE7}"/>
+                <a16:creationId xmlns:a16="http://schemas.microsoft.com/office/drawing/2014/main" id="{34FC1E7A-1736-40A9-B133-350DF7033BD6}"/>
               </a:ext>
             </a:extLst>
           </p:cNvPr>
-          <p:cNvSpPr txBox="1"/>
-          <p:nvPr/>
-        </p:nvSpPr>
-        <p:spPr>
-          <a:xfrm>
-            <a:off x="7895576" y="3304626"/>
-            <a:ext cx="4296424" cy="1364476"/>
-          </a:xfrm>
-          <a:prstGeom prst="rect">
-            <a:avLst/>
-          </a:prstGeom>
-          <a:noFill/>
-        </p:spPr>
-        <p:txBody>
-          <a:bodyPr wrap="square" rtlCol="0">
-            <a:spAutoFit/>
-          </a:bodyPr>
+          <p:cNvSpPr>
+            <a:spLocks noGrp="1"/>
+          </p:cNvSpPr>
+          <p:nvPr>
+            <p:ph type="sldNum" sz="quarter" idx="12"/>
+          </p:nvPr>
+        </p:nvSpPr>
+        <p:spPr>
+          <a:xfrm>
+            <a:off x="11412867" y="165878"/>
+            <a:ext cx="643748" cy="365125"/>
+          </a:xfrm>
+        </p:spPr>
+        <p:txBody>
+          <a:bodyPr/>
           <a:lstStyle/>
           <a:p>
-            <a:pPr marL="342900" lvl="1" indent="-342900" algn="r">
-              <a:spcBef>
-                <a:spcPts val="1000"/>
-              </a:spcBef>
-              <a:buFont typeface="Symbol" panose="05050102010706020507" pitchFamily="18" charset="2"/>
-              <a:buChar char="Þ"/>
-            </a:pPr>
-            <a:r>
-              <a:rPr lang="fr-FR" sz="2200" b="1" dirty="0"/>
-              <a:t>Cible : </a:t>
-            </a:r>
-            <a:r>
-              <a:rPr lang="fr-FR" sz="2200" dirty="0"/>
-              <a:t>adolescents &amp; </a:t>
-            </a:r>
-          </a:p>
-          <a:p>
-            <a:pPr marL="0" lvl="1" algn="r">
-              <a:spcBef>
-                <a:spcPts val="1000"/>
-              </a:spcBef>
-            </a:pPr>
-            <a:r>
-              <a:rPr lang="fr-FR" sz="2200" dirty="0"/>
-              <a:t>	acheteurs « occasionnels »</a:t>
-            </a:r>
-          </a:p>
-          <a:p>
-            <a:pPr marL="0" lvl="1" algn="r">
-              <a:spcBef>
-                <a:spcPts val="1000"/>
-              </a:spcBef>
-            </a:pPr>
-            <a:r>
-              <a:rPr lang="fr-FR" sz="2200" dirty="0"/>
-              <a:t>afin de lutter </a:t>
-            </a:r>
-            <a:r>
-              <a:rPr lang="fr-FR" sz="2200" b="1" dirty="0"/>
-              <a:t>contre l’obésité</a:t>
-            </a:r>
-          </a:p>
-        </p:txBody>
-      </p:sp>
-      <p:pic>
-        <p:nvPicPr>
-          <p:cNvPr id="10" name="Image 9">
-            <a:extLst>
-              <a:ext uri="{FF2B5EF4-FFF2-40B4-BE49-F238E27FC236}">
-                <a16:creationId xmlns:a16="http://schemas.microsoft.com/office/drawing/2014/main" id="{52CEABC8-2283-48FC-BBF3-AF2E591C28DA}"/>
-              </a:ext>
-            </a:extLst>
-          </p:cNvPr>
-          <p:cNvPicPr>
-            <a:picLocks noChangeAspect="1"/>
-          </p:cNvPicPr>
-          <p:nvPr/>
-        </p:nvPicPr>
-        <p:blipFill>
-          <a:blip r:embed="rId7">
-            <a:extLst>
-              <a:ext uri="{28A0092B-C50C-407E-A947-70E740481C1C}">
-                <a14:useLocalDpi xmlns:a14="http://schemas.microsoft.com/office/drawing/2010/main" val="0"/>
-              </a:ext>
-            </a:extLst>
-          </a:blip>
-          <a:stretch>
-            <a:fillRect/>
-          </a:stretch>
-        </p:blipFill>
-        <p:spPr>
-          <a:xfrm>
-            <a:off x="7297908" y="3304626"/>
-            <a:ext cx="1195335" cy="897682"/>
-          </a:xfrm>
-          <a:prstGeom prst="rect">
-            <a:avLst/>
-          </a:prstGeom>
-        </p:spPr>
-      </p:pic>
+            <a:fld id="{22EBEF4F-4056-4A7E-9612-F3E8B502E28B}" type="slidenum">
+              <a:rPr lang="fr-FR" sz="1600" b="1" smtClean="0"/>
+              <a:t>8</a:t>
+            </a:fld>
+            <a:endParaRPr lang="fr-FR" sz="1600" b="1" dirty="0"/>
+          </a:p>
+        </p:txBody>
+      </p:sp>
     </p:spTree>
     <p:extLst>
       <p:ext uri="{BB962C8B-B14F-4D97-AF65-F5344CB8AC3E}">
@@ -14948,7 +15712,7 @@
 </p:sld>
 </file>
 
-<file path=ppt/slides/slide7.xml><?xml version="1.0" encoding="utf-8"?>
+<file path=ppt/slides/slide9.xml><?xml version="1.0" encoding="utf-8"?>
 <p:sld xmlns:a="http://schemas.openxmlformats.org/drawingml/2006/main" xmlns:r="http://schemas.openxmlformats.org/officeDocument/2006/relationships" xmlns:p="http://schemas.openxmlformats.org/presentationml/2006/main">
   <p:cSld>
     <p:spTree>
@@ -15240,366 +16004,44 @@
           </a:p>
         </p:txBody>
       </p:sp>
+      <p:sp>
+        <p:nvSpPr>
+          <p:cNvPr id="10" name="Espace réservé du numéro de diapositive 2">
+            <a:extLst>
+              <a:ext uri="{FF2B5EF4-FFF2-40B4-BE49-F238E27FC236}">
+                <a16:creationId xmlns:a16="http://schemas.microsoft.com/office/drawing/2014/main" id="{43AFFC11-098A-4C97-83FA-BB7498362128}"/>
+              </a:ext>
+            </a:extLst>
+          </p:cNvPr>
+          <p:cNvSpPr>
+            <a:spLocks noGrp="1"/>
+          </p:cNvSpPr>
+          <p:nvPr>
+            <p:ph type="sldNum" sz="quarter" idx="12"/>
+          </p:nvPr>
+        </p:nvSpPr>
+        <p:spPr>
+          <a:xfrm>
+            <a:off x="11412867" y="165878"/>
+            <a:ext cx="643748" cy="365125"/>
+          </a:xfrm>
+        </p:spPr>
+        <p:txBody>
+          <a:bodyPr/>
+          <a:lstStyle/>
+          <a:p>
+            <a:fld id="{22EBEF4F-4056-4A7E-9612-F3E8B502E28B}" type="slidenum">
+              <a:rPr lang="fr-FR" sz="1600" b="1" smtClean="0"/>
+              <a:t>9</a:t>
+            </a:fld>
+            <a:endParaRPr lang="fr-FR" sz="1600" b="1" dirty="0"/>
+          </a:p>
+        </p:txBody>
+      </p:sp>
     </p:spTree>
     <p:extLst>
       <p:ext uri="{BB962C8B-B14F-4D97-AF65-F5344CB8AC3E}">
         <p14:creationId xmlns:p14="http://schemas.microsoft.com/office/powerpoint/2010/main" val="211462842"/>
-      </p:ext>
-    </p:extLst>
-  </p:cSld>
-  <p:clrMapOvr>
-    <a:masterClrMapping/>
-  </p:clrMapOvr>
-</p:sld>
-</file>
-
-<file path=ppt/slides/slide8.xml><?xml version="1.0" encoding="utf-8"?>
-<p:sld xmlns:a="http://schemas.openxmlformats.org/drawingml/2006/main" xmlns:r="http://schemas.openxmlformats.org/officeDocument/2006/relationships" xmlns:p="http://schemas.openxmlformats.org/presentationml/2006/main">
-  <p:cSld>
-    <p:spTree>
-      <p:nvGrpSpPr>
-        <p:cNvPr id="1" name=""/>
-        <p:cNvGrpSpPr/>
-        <p:nvPr/>
-      </p:nvGrpSpPr>
-      <p:grpSpPr>
-        <a:xfrm>
-          <a:off x="0" y="0"/>
-          <a:ext cx="0" cy="0"/>
-          <a:chOff x="0" y="0"/>
-          <a:chExt cx="0" cy="0"/>
-        </a:xfrm>
-      </p:grpSpPr>
-      <p:sp>
-        <p:nvSpPr>
-          <p:cNvPr id="2" name="Titre 1">
-            <a:extLst>
-              <a:ext uri="{FF2B5EF4-FFF2-40B4-BE49-F238E27FC236}">
-                <a16:creationId xmlns:a16="http://schemas.microsoft.com/office/drawing/2014/main" id="{96885828-B058-4F14-80D3-515FB1B2EA26}"/>
-              </a:ext>
-            </a:extLst>
-          </p:cNvPr>
-          <p:cNvSpPr>
-            <a:spLocks noGrp="1"/>
-          </p:cNvSpPr>
-          <p:nvPr>
-            <p:ph type="title"/>
-          </p:nvPr>
-        </p:nvSpPr>
-        <p:spPr/>
-        <p:txBody>
-          <a:bodyPr/>
-          <a:lstStyle/>
-          <a:p>
-            <a:r>
-              <a:rPr lang="fr-FR" b="1" dirty="0"/>
-              <a:t>Partie 2 :</a:t>
-            </a:r>
-            <a:br>
-              <a:rPr lang="fr-FR" b="1" dirty="0"/>
-            </a:br>
-            <a:r>
-              <a:rPr lang="fr-FR" dirty="0"/>
-              <a:t>Présentation du </a:t>
-            </a:r>
-            <a:br>
-              <a:rPr lang="fr-FR" dirty="0"/>
-            </a:br>
-            <a:r>
-              <a:rPr lang="fr-FR" dirty="0"/>
-              <a:t>nettoyage effectué</a:t>
-            </a:r>
-          </a:p>
-        </p:txBody>
-      </p:sp>
-      <p:sp>
-        <p:nvSpPr>
-          <p:cNvPr id="3" name="Espace réservé du texte 2">
-            <a:extLst>
-              <a:ext uri="{FF2B5EF4-FFF2-40B4-BE49-F238E27FC236}">
-                <a16:creationId xmlns:a16="http://schemas.microsoft.com/office/drawing/2014/main" id="{C1CD7A5C-6044-4F77-841E-E28AF461363D}"/>
-              </a:ext>
-            </a:extLst>
-          </p:cNvPr>
-          <p:cNvSpPr>
-            <a:spLocks noGrp="1"/>
-          </p:cNvSpPr>
-          <p:nvPr>
-            <p:ph type="body" idx="1"/>
-          </p:nvPr>
-        </p:nvSpPr>
-        <p:spPr/>
-        <p:txBody>
-          <a:bodyPr/>
-          <a:lstStyle/>
-          <a:p>
-            <a:br>
-              <a:rPr lang="fr-FR" dirty="0"/>
-            </a:br>
-            <a:endParaRPr lang="fr-FR" dirty="0"/>
-          </a:p>
-        </p:txBody>
-      </p:sp>
-      <p:pic>
-        <p:nvPicPr>
-          <p:cNvPr id="4" name="Picture 2" descr="L'agence Santé publique France">
-            <a:hlinkClick r:id="rId2"/>
-            <a:extLst>
-              <a:ext uri="{FF2B5EF4-FFF2-40B4-BE49-F238E27FC236}">
-                <a16:creationId xmlns:a16="http://schemas.microsoft.com/office/drawing/2014/main" id="{28EC06FB-BF48-4CD2-A6E6-66BE8363898D}"/>
-              </a:ext>
-            </a:extLst>
-          </p:cNvPr>
-          <p:cNvPicPr>
-            <a:picLocks noChangeAspect="1" noChangeArrowheads="1"/>
-          </p:cNvPicPr>
-          <p:nvPr/>
-        </p:nvPicPr>
-        <p:blipFill>
-          <a:blip r:embed="rId3">
-            <a:extLst>
-              <a:ext uri="{28A0092B-C50C-407E-A947-70E740481C1C}">
-                <a14:useLocalDpi xmlns:a14="http://schemas.microsoft.com/office/drawing/2010/main" val="0"/>
-              </a:ext>
-            </a:extLst>
-          </a:blip>
-          <a:srcRect/>
-          <a:stretch>
-            <a:fillRect/>
-          </a:stretch>
-        </p:blipFill>
-        <p:spPr bwMode="auto">
-          <a:xfrm>
-            <a:off x="208547" y="288758"/>
-            <a:ext cx="2766762" cy="1562407"/>
-          </a:xfrm>
-          <a:prstGeom prst="rect">
-            <a:avLst/>
-          </a:prstGeom>
-          <a:noFill/>
-          <a:extLst>
-            <a:ext uri="{909E8E84-426E-40DD-AFC4-6F175D3DCCD1}">
-              <a14:hiddenFill xmlns:a14="http://schemas.microsoft.com/office/drawing/2010/main">
-                <a:solidFill>
-                  <a:srgbClr val="FFFFFF"/>
-                </a:solidFill>
-              </a14:hiddenFill>
-            </a:ext>
-          </a:extLst>
-        </p:spPr>
-      </p:pic>
-      <p:pic>
-        <p:nvPicPr>
-          <p:cNvPr id="6" name="Picture 5">
-            <a:extLst>
-              <a:ext uri="{FF2B5EF4-FFF2-40B4-BE49-F238E27FC236}">
-                <a16:creationId xmlns:a16="http://schemas.microsoft.com/office/drawing/2014/main" id="{1153AC97-1F0F-4DCC-9CF8-A5C9BD953179}"/>
-              </a:ext>
-            </a:extLst>
-          </p:cNvPr>
-          <p:cNvPicPr>
-            <a:picLocks noChangeAspect="1"/>
-          </p:cNvPicPr>
-          <p:nvPr/>
-        </p:nvPicPr>
-        <p:blipFill>
-          <a:blip r:embed="rId4"/>
-          <a:stretch>
-            <a:fillRect/>
-          </a:stretch>
-        </p:blipFill>
-        <p:spPr>
-          <a:xfrm>
-            <a:off x="7829032" y="58289"/>
-            <a:ext cx="4362968" cy="1639229"/>
-          </a:xfrm>
-          <a:prstGeom prst="rect">
-            <a:avLst/>
-          </a:prstGeom>
-        </p:spPr>
-      </p:pic>
-    </p:spTree>
-    <p:extLst>
-      <p:ext uri="{BB962C8B-B14F-4D97-AF65-F5344CB8AC3E}">
-        <p14:creationId xmlns:p14="http://schemas.microsoft.com/office/powerpoint/2010/main" val="3031979299"/>
-      </p:ext>
-    </p:extLst>
-  </p:cSld>
-  <p:clrMapOvr>
-    <a:masterClrMapping/>
-  </p:clrMapOvr>
-</p:sld>
-</file>
-
-<file path=ppt/slides/slide9.xml><?xml version="1.0" encoding="utf-8"?>
-<p:sld xmlns:a="http://schemas.openxmlformats.org/drawingml/2006/main" xmlns:r="http://schemas.openxmlformats.org/officeDocument/2006/relationships" xmlns:p="http://schemas.openxmlformats.org/presentationml/2006/main">
-  <p:cSld>
-    <p:spTree>
-      <p:nvGrpSpPr>
-        <p:cNvPr id="1" name=""/>
-        <p:cNvGrpSpPr/>
-        <p:nvPr/>
-      </p:nvGrpSpPr>
-      <p:grpSpPr>
-        <a:xfrm>
-          <a:off x="0" y="0"/>
-          <a:ext cx="0" cy="0"/>
-          <a:chOff x="0" y="0"/>
-          <a:chExt cx="0" cy="0"/>
-        </a:xfrm>
-      </p:grpSpPr>
-      <p:sp>
-        <p:nvSpPr>
-          <p:cNvPr id="2" name="Titre 1">
-            <a:extLst>
-              <a:ext uri="{FF2B5EF4-FFF2-40B4-BE49-F238E27FC236}">
-                <a16:creationId xmlns:a16="http://schemas.microsoft.com/office/drawing/2014/main" id="{96885828-B058-4F14-80D3-515FB1B2EA26}"/>
-              </a:ext>
-            </a:extLst>
-          </p:cNvPr>
-          <p:cNvSpPr>
-            <a:spLocks noGrp="1"/>
-          </p:cNvSpPr>
-          <p:nvPr>
-            <p:ph type="title"/>
-          </p:nvPr>
-        </p:nvSpPr>
-        <p:spPr/>
-        <p:txBody>
-          <a:bodyPr/>
-          <a:lstStyle/>
-          <a:p>
-            <a:r>
-              <a:rPr lang="fr-FR" b="1" dirty="0"/>
-              <a:t>Partie 3 :</a:t>
-            </a:r>
-            <a:br>
-              <a:rPr lang="fr-FR" b="1" dirty="0"/>
-            </a:br>
-            <a:r>
-              <a:rPr lang="fr-FR" dirty="0"/>
-              <a:t>Présentation de </a:t>
-            </a:r>
-            <a:br>
-              <a:rPr lang="fr-FR" dirty="0"/>
-            </a:br>
-            <a:r>
-              <a:rPr lang="fr-FR" dirty="0"/>
-              <a:t>l’analyse exploratoire</a:t>
-            </a:r>
-          </a:p>
-        </p:txBody>
-      </p:sp>
-      <p:sp>
-        <p:nvSpPr>
-          <p:cNvPr id="3" name="Espace réservé du texte 2">
-            <a:extLst>
-              <a:ext uri="{FF2B5EF4-FFF2-40B4-BE49-F238E27FC236}">
-                <a16:creationId xmlns:a16="http://schemas.microsoft.com/office/drawing/2014/main" id="{C1CD7A5C-6044-4F77-841E-E28AF461363D}"/>
-              </a:ext>
-            </a:extLst>
-          </p:cNvPr>
-          <p:cNvSpPr>
-            <a:spLocks noGrp="1"/>
-          </p:cNvSpPr>
-          <p:nvPr>
-            <p:ph type="body" idx="1"/>
-          </p:nvPr>
-        </p:nvSpPr>
-        <p:spPr/>
-        <p:txBody>
-          <a:bodyPr/>
-          <a:lstStyle/>
-          <a:p>
-            <a:br>
-              <a:rPr lang="fr-FR" dirty="0"/>
-            </a:br>
-            <a:endParaRPr lang="fr-FR" dirty="0"/>
-          </a:p>
-        </p:txBody>
-      </p:sp>
-      <p:pic>
-        <p:nvPicPr>
-          <p:cNvPr id="4" name="Picture 2" descr="L'agence Santé publique France">
-            <a:hlinkClick r:id="rId2"/>
-            <a:extLst>
-              <a:ext uri="{FF2B5EF4-FFF2-40B4-BE49-F238E27FC236}">
-                <a16:creationId xmlns:a16="http://schemas.microsoft.com/office/drawing/2014/main" id="{9D505E56-4A6D-491C-BF10-252DE5BD588B}"/>
-              </a:ext>
-            </a:extLst>
-          </p:cNvPr>
-          <p:cNvPicPr>
-            <a:picLocks noChangeAspect="1" noChangeArrowheads="1"/>
-          </p:cNvPicPr>
-          <p:nvPr/>
-        </p:nvPicPr>
-        <p:blipFill>
-          <a:blip r:embed="rId3">
-            <a:extLst>
-              <a:ext uri="{28A0092B-C50C-407E-A947-70E740481C1C}">
-                <a14:useLocalDpi xmlns:a14="http://schemas.microsoft.com/office/drawing/2010/main" val="0"/>
-              </a:ext>
-            </a:extLst>
-          </a:blip>
-          <a:srcRect/>
-          <a:stretch>
-            <a:fillRect/>
-          </a:stretch>
-        </p:blipFill>
-        <p:spPr bwMode="auto">
-          <a:xfrm>
-            <a:off x="208547" y="288758"/>
-            <a:ext cx="2766762" cy="1562407"/>
-          </a:xfrm>
-          <a:prstGeom prst="rect">
-            <a:avLst/>
-          </a:prstGeom>
-          <a:noFill/>
-          <a:extLst>
-            <a:ext uri="{909E8E84-426E-40DD-AFC4-6F175D3DCCD1}">
-              <a14:hiddenFill xmlns:a14="http://schemas.microsoft.com/office/drawing/2010/main">
-                <a:solidFill>
-                  <a:srgbClr val="FFFFFF"/>
-                </a:solidFill>
-              </a14:hiddenFill>
-            </a:ext>
-          </a:extLst>
-        </p:spPr>
-      </p:pic>
-      <p:pic>
-        <p:nvPicPr>
-          <p:cNvPr id="6" name="Picture 5">
-            <a:extLst>
-              <a:ext uri="{FF2B5EF4-FFF2-40B4-BE49-F238E27FC236}">
-                <a16:creationId xmlns:a16="http://schemas.microsoft.com/office/drawing/2014/main" id="{81AD17D2-048E-48CB-BD6C-CBC098E81736}"/>
-              </a:ext>
-            </a:extLst>
-          </p:cNvPr>
-          <p:cNvPicPr>
-            <a:picLocks noChangeAspect="1"/>
-          </p:cNvPicPr>
-          <p:nvPr/>
-        </p:nvPicPr>
-        <p:blipFill>
-          <a:blip r:embed="rId4"/>
-          <a:stretch>
-            <a:fillRect/>
-          </a:stretch>
-        </p:blipFill>
-        <p:spPr>
-          <a:xfrm>
-            <a:off x="7829032" y="58289"/>
-            <a:ext cx="4362968" cy="1639229"/>
-          </a:xfrm>
-          <a:prstGeom prst="rect">
-            <a:avLst/>
-          </a:prstGeom>
-        </p:spPr>
-      </p:pic>
-    </p:spTree>
-    <p:extLst>
-      <p:ext uri="{BB962C8B-B14F-4D97-AF65-F5344CB8AC3E}">
-        <p14:creationId xmlns:p14="http://schemas.microsoft.com/office/powerpoint/2010/main" val="693144656"/>
       </p:ext>
     </p:extLst>
   </p:cSld>
